--- a/presentations/Retours sur la journée 1.pptx
+++ b/presentations/Retours sur la journée 1.pptx
@@ -7,7 +7,8 @@
   <p:sldIdLst>
     <p:sldId id="256" r:id="rId3"/>
     <p:sldId id="258" r:id="rId4"/>
-    <p:sldId id="259" r:id="rId5"/>
+    <p:sldId id="260" r:id="rId5"/>
+    <p:sldId id="259" r:id="rId6"/>
   </p:sldIdLst>
   <p:sldSz cx="12192000" cy="6858000"/>
   <p:notesSz cx="6858000" cy="9144000"/>
@@ -106,6 +107,11 @@
       </a:defRPr>
     </a:lvl9pPr>
   </p:defaultTextStyle>
+  <p:extLst>
+    <p:ext uri="{EFAFB233-063F-42B5-8137-9DF3F51BA10A}">
+      <p15:sldGuideLst xmlns:p15="http://schemas.microsoft.com/office/powerpoint/2012/main"/>
+    </p:ext>
+  </p:extLst>
 </p:presentation>
 </file>
 
@@ -166,7 +172,7 @@
           <a:noFill/>
           <a:extLst>
             <a:ext uri="{909E8E84-426E-40dd-AFC4-6F175D3DCCD1}">
-              <a14:hiddenFill xmlns:a14="http://schemas.microsoft.com/office/drawing/2010/main" xmlns="">
+              <a14:hiddenFill xmlns="" xmlns:a14="http://schemas.microsoft.com/office/drawing/2010/main">
                 <a:solidFill>
                   <a:srgbClr val="FFFFFF"/>
                 </a:solidFill>
@@ -225,7 +231,7 @@
             </a:ln>
             <a:extLst>
               <a:ext uri="{91240B29-F687-4f45-9708-019B960494DF}">
-                <a14:hiddenLine xmlns:a14="http://schemas.microsoft.com/office/drawing/2010/main" xmlns="" w="9525">
+                <a14:hiddenLine xmlns="" xmlns:a14="http://schemas.microsoft.com/office/drawing/2010/main" w="9525">
                   <a:solidFill>
                     <a:srgbClr val="000000"/>
                   </a:solidFill>
@@ -315,7 +321,7 @@
             </a:ln>
             <a:extLst>
               <a:ext uri="{91240B29-F687-4f45-9708-019B960494DF}">
-                <a14:hiddenLine xmlns:a14="http://schemas.microsoft.com/office/drawing/2010/main" xmlns="" w="9525">
+                <a14:hiddenLine xmlns="" xmlns:a14="http://schemas.microsoft.com/office/drawing/2010/main" w="9525">
                   <a:solidFill>
                     <a:srgbClr val="000000"/>
                   </a:solidFill>
@@ -405,7 +411,7 @@
             </a:ln>
             <a:extLst>
               <a:ext uri="{91240B29-F687-4f45-9708-019B960494DF}">
-                <a14:hiddenLine xmlns:a14="http://schemas.microsoft.com/office/drawing/2010/main" xmlns="" w="9525">
+                <a14:hiddenLine xmlns="" xmlns:a14="http://schemas.microsoft.com/office/drawing/2010/main" w="9525">
                   <a:solidFill>
                     <a:srgbClr val="000000"/>
                   </a:solidFill>
@@ -439,7 +445,7 @@
             </a:ln>
             <a:extLst>
               <a:ext uri="{91240B29-F687-4f45-9708-019B960494DF}">
-                <a14:hiddenLine xmlns:a14="http://schemas.microsoft.com/office/drawing/2010/main" xmlns="" w="9525">
+                <a14:hiddenLine xmlns="" xmlns:a14="http://schemas.microsoft.com/office/drawing/2010/main" w="9525">
                   <a:solidFill>
                     <a:srgbClr val="000000"/>
                   </a:solidFill>
@@ -529,7 +535,7 @@
             </a:ln>
             <a:extLst>
               <a:ext uri="{91240B29-F687-4f45-9708-019B960494DF}">
-                <a14:hiddenLine xmlns:a14="http://schemas.microsoft.com/office/drawing/2010/main" xmlns="" w="9525">
+                <a14:hiddenLine xmlns="" xmlns:a14="http://schemas.microsoft.com/office/drawing/2010/main" w="9525">
                   <a:solidFill>
                     <a:srgbClr val="000000"/>
                   </a:solidFill>
@@ -591,7 +597,7 @@
             </a:ln>
             <a:extLst>
               <a:ext uri="{91240B29-F687-4f45-9708-019B960494DF}">
-                <a14:hiddenLine xmlns:a14="http://schemas.microsoft.com/office/drawing/2010/main" xmlns="" w="9525">
+                <a14:hiddenLine xmlns="" xmlns:a14="http://schemas.microsoft.com/office/drawing/2010/main" w="9525">
                   <a:solidFill>
                     <a:srgbClr val="000000"/>
                   </a:solidFill>
@@ -653,7 +659,7 @@
             </a:ln>
             <a:extLst>
               <a:ext uri="{91240B29-F687-4f45-9708-019B960494DF}">
-                <a14:hiddenLine xmlns:a14="http://schemas.microsoft.com/office/drawing/2010/main" xmlns="" w="9525">
+                <a14:hiddenLine xmlns="" xmlns:a14="http://schemas.microsoft.com/office/drawing/2010/main" w="9525">
                   <a:solidFill>
                     <a:srgbClr val="000000"/>
                   </a:solidFill>
@@ -743,7 +749,7 @@
             </a:ln>
             <a:extLst>
               <a:ext uri="{91240B29-F687-4f45-9708-019B960494DF}">
-                <a14:hiddenLine xmlns:a14="http://schemas.microsoft.com/office/drawing/2010/main" xmlns="" w="9525">
+                <a14:hiddenLine xmlns="" xmlns:a14="http://schemas.microsoft.com/office/drawing/2010/main" w="9525">
                   <a:solidFill>
                     <a:srgbClr val="000000"/>
                   </a:solidFill>
@@ -805,7 +811,7 @@
             </a:ln>
             <a:extLst>
               <a:ext uri="{91240B29-F687-4f45-9708-019B960494DF}">
-                <a14:hiddenLine xmlns:a14="http://schemas.microsoft.com/office/drawing/2010/main" xmlns="" w="9525">
+                <a14:hiddenLine xmlns="" xmlns:a14="http://schemas.microsoft.com/office/drawing/2010/main" w="9525">
                   <a:solidFill>
                     <a:srgbClr val="000000"/>
                   </a:solidFill>
@@ -867,7 +873,7 @@
             </a:ln>
             <a:extLst>
               <a:ext uri="{91240B29-F687-4f45-9708-019B960494DF}">
-                <a14:hiddenLine xmlns:a14="http://schemas.microsoft.com/office/drawing/2010/main" xmlns="" w="9525">
+                <a14:hiddenLine xmlns="" xmlns:a14="http://schemas.microsoft.com/office/drawing/2010/main" w="9525">
                   <a:solidFill>
                     <a:srgbClr val="000000"/>
                   </a:solidFill>
@@ -957,7 +963,7 @@
             </a:ln>
             <a:extLst>
               <a:ext uri="{91240B29-F687-4f45-9708-019B960494DF}">
-                <a14:hiddenLine xmlns:a14="http://schemas.microsoft.com/office/drawing/2010/main" xmlns="" w="9525">
+                <a14:hiddenLine xmlns="" xmlns:a14="http://schemas.microsoft.com/office/drawing/2010/main" w="9525">
                   <a:solidFill>
                     <a:srgbClr val="000000"/>
                   </a:solidFill>
@@ -1047,7 +1053,7 @@
             </a:ln>
             <a:extLst>
               <a:ext uri="{91240B29-F687-4f45-9708-019B960494DF}">
-                <a14:hiddenLine xmlns:a14="http://schemas.microsoft.com/office/drawing/2010/main" xmlns="" w="9525">
+                <a14:hiddenLine xmlns="" xmlns:a14="http://schemas.microsoft.com/office/drawing/2010/main" w="9525">
                   <a:solidFill>
                     <a:srgbClr val="000000"/>
                   </a:solidFill>
@@ -1109,7 +1115,7 @@
             </a:ln>
             <a:extLst>
               <a:ext uri="{91240B29-F687-4f45-9708-019B960494DF}">
-                <a14:hiddenLine xmlns:a14="http://schemas.microsoft.com/office/drawing/2010/main" xmlns="" w="9525">
+                <a14:hiddenLine xmlns="" xmlns:a14="http://schemas.microsoft.com/office/drawing/2010/main" w="9525">
                   <a:solidFill>
                     <a:srgbClr val="000000"/>
                   </a:solidFill>
@@ -1219,7 +1225,7 @@
             </a:ln>
             <a:extLst>
               <a:ext uri="{91240B29-F687-4f45-9708-019B960494DF}">
-                <a14:hiddenLine xmlns:a14="http://schemas.microsoft.com/office/drawing/2010/main" xmlns="" w="9525">
+                <a14:hiddenLine xmlns="" xmlns:a14="http://schemas.microsoft.com/office/drawing/2010/main" w="9525">
                   <a:solidFill>
                     <a:srgbClr val="000000"/>
                   </a:solidFill>
@@ -1281,7 +1287,7 @@
             </a:ln>
             <a:extLst>
               <a:ext uri="{91240B29-F687-4f45-9708-019B960494DF}">
-                <a14:hiddenLine xmlns:a14="http://schemas.microsoft.com/office/drawing/2010/main" xmlns="" w="9525">
+                <a14:hiddenLine xmlns="" xmlns:a14="http://schemas.microsoft.com/office/drawing/2010/main" w="9525">
                   <a:solidFill>
                     <a:srgbClr val="000000"/>
                   </a:solidFill>
@@ -1371,7 +1377,7 @@
             </a:ln>
             <a:extLst>
               <a:ext uri="{91240B29-F687-4f45-9708-019B960494DF}">
-                <a14:hiddenLine xmlns:a14="http://schemas.microsoft.com/office/drawing/2010/main" xmlns="" w="9525">
+                <a14:hiddenLine xmlns="" xmlns:a14="http://schemas.microsoft.com/office/drawing/2010/main" w="9525">
                   <a:solidFill>
                     <a:srgbClr val="000000"/>
                   </a:solidFill>
@@ -1461,7 +1467,7 @@
             </a:ln>
             <a:extLst>
               <a:ext uri="{91240B29-F687-4f45-9708-019B960494DF}">
-                <a14:hiddenLine xmlns:a14="http://schemas.microsoft.com/office/drawing/2010/main" xmlns="" w="9525">
+                <a14:hiddenLine xmlns="" xmlns:a14="http://schemas.microsoft.com/office/drawing/2010/main" w="9525">
                   <a:solidFill>
                     <a:srgbClr val="000000"/>
                   </a:solidFill>
@@ -1523,7 +1529,7 @@
             </a:ln>
             <a:extLst>
               <a:ext uri="{91240B29-F687-4f45-9708-019B960494DF}">
-                <a14:hiddenLine xmlns:a14="http://schemas.microsoft.com/office/drawing/2010/main" xmlns="" w="9525">
+                <a14:hiddenLine xmlns="" xmlns:a14="http://schemas.microsoft.com/office/drawing/2010/main" w="9525">
                   <a:solidFill>
                     <a:srgbClr val="000000"/>
                   </a:solidFill>
@@ -1613,7 +1619,7 @@
             </a:ln>
             <a:extLst>
               <a:ext uri="{91240B29-F687-4f45-9708-019B960494DF}">
-                <a14:hiddenLine xmlns:a14="http://schemas.microsoft.com/office/drawing/2010/main" xmlns="" w="9525">
+                <a14:hiddenLine xmlns="" xmlns:a14="http://schemas.microsoft.com/office/drawing/2010/main" w="9525">
                   <a:solidFill>
                     <a:srgbClr val="000000"/>
                   </a:solidFill>
@@ -1703,7 +1709,7 @@
             </a:ln>
             <a:extLst>
               <a:ext uri="{91240B29-F687-4f45-9708-019B960494DF}">
-                <a14:hiddenLine xmlns:a14="http://schemas.microsoft.com/office/drawing/2010/main" xmlns="" w="9525">
+                <a14:hiddenLine xmlns="" xmlns:a14="http://schemas.microsoft.com/office/drawing/2010/main" w="9525">
                   <a:solidFill>
                     <a:srgbClr val="000000"/>
                   </a:solidFill>
@@ -1759,7 +1765,7 @@
             </a:ln>
             <a:extLst>
               <a:ext uri="{91240B29-F687-4f45-9708-019B960494DF}">
-                <a14:hiddenLine xmlns:a14="http://schemas.microsoft.com/office/drawing/2010/main" xmlns="" w="9525">
+                <a14:hiddenLine xmlns="" xmlns:a14="http://schemas.microsoft.com/office/drawing/2010/main" w="9525">
                   <a:solidFill>
                     <a:srgbClr val="000000"/>
                   </a:solidFill>
@@ -1849,7 +1855,7 @@
             </a:ln>
             <a:extLst>
               <a:ext uri="{91240B29-F687-4f45-9708-019B960494DF}">
-                <a14:hiddenLine xmlns:a14="http://schemas.microsoft.com/office/drawing/2010/main" xmlns="" w="9525">
+                <a14:hiddenLine xmlns="" xmlns:a14="http://schemas.microsoft.com/office/drawing/2010/main" w="9525">
                   <a:solidFill>
                     <a:srgbClr val="000000"/>
                   </a:solidFill>
@@ -1905,7 +1911,7 @@
             </a:ln>
             <a:extLst>
               <a:ext uri="{91240B29-F687-4f45-9708-019B960494DF}">
-                <a14:hiddenLine xmlns:a14="http://schemas.microsoft.com/office/drawing/2010/main" xmlns="" w="9525">
+                <a14:hiddenLine xmlns="" xmlns:a14="http://schemas.microsoft.com/office/drawing/2010/main" w="9525">
                   <a:solidFill>
                     <a:srgbClr val="000000"/>
                   </a:solidFill>
@@ -1995,7 +2001,7 @@
             </a:ln>
             <a:extLst>
               <a:ext uri="{91240B29-F687-4f45-9708-019B960494DF}">
-                <a14:hiddenLine xmlns:a14="http://schemas.microsoft.com/office/drawing/2010/main" xmlns="" w="9525">
+                <a14:hiddenLine xmlns="" xmlns:a14="http://schemas.microsoft.com/office/drawing/2010/main" w="9525">
                   <a:solidFill>
                     <a:srgbClr val="000000"/>
                   </a:solidFill>
@@ -2063,7 +2069,7 @@
             </a:ln>
             <a:extLst>
               <a:ext uri="{91240B29-F687-4f45-9708-019B960494DF}">
-                <a14:hiddenLine xmlns:a14="http://schemas.microsoft.com/office/drawing/2010/main" xmlns="" w="9525">
+                <a14:hiddenLine xmlns="" xmlns:a14="http://schemas.microsoft.com/office/drawing/2010/main" w="9525">
                   <a:solidFill>
                     <a:srgbClr val="000000"/>
                   </a:solidFill>
@@ -2153,7 +2159,7 @@
             </a:ln>
             <a:extLst>
               <a:ext uri="{91240B29-F687-4f45-9708-019B960494DF}">
-                <a14:hiddenLine xmlns:a14="http://schemas.microsoft.com/office/drawing/2010/main" xmlns="" w="9525">
+                <a14:hiddenLine xmlns="" xmlns:a14="http://schemas.microsoft.com/office/drawing/2010/main" w="9525">
                   <a:solidFill>
                     <a:srgbClr val="000000"/>
                   </a:solidFill>
@@ -2221,7 +2227,7 @@
             </a:ln>
             <a:extLst>
               <a:ext uri="{91240B29-F687-4f45-9708-019B960494DF}">
-                <a14:hiddenLine xmlns:a14="http://schemas.microsoft.com/office/drawing/2010/main" xmlns="" w="9525">
+                <a14:hiddenLine xmlns="" xmlns:a14="http://schemas.microsoft.com/office/drawing/2010/main" w="9525">
                   <a:solidFill>
                     <a:srgbClr val="000000"/>
                   </a:solidFill>
@@ -2311,7 +2317,7 @@
             </a:ln>
             <a:extLst>
               <a:ext uri="{91240B29-F687-4f45-9708-019B960494DF}">
-                <a14:hiddenLine xmlns:a14="http://schemas.microsoft.com/office/drawing/2010/main" xmlns="" w="9525">
+                <a14:hiddenLine xmlns="" xmlns:a14="http://schemas.microsoft.com/office/drawing/2010/main" w="9525">
                   <a:solidFill>
                     <a:srgbClr val="000000"/>
                   </a:solidFill>
@@ -2345,7 +2351,7 @@
             </a:ln>
             <a:extLst>
               <a:ext uri="{91240B29-F687-4f45-9708-019B960494DF}">
-                <a14:hiddenLine xmlns:a14="http://schemas.microsoft.com/office/drawing/2010/main" xmlns="" w="9525">
+                <a14:hiddenLine xmlns="" xmlns:a14="http://schemas.microsoft.com/office/drawing/2010/main" w="9525">
                   <a:solidFill>
                     <a:srgbClr val="000000"/>
                   </a:solidFill>
@@ -2435,7 +2441,7 @@
             </a:ln>
             <a:extLst>
               <a:ext uri="{91240B29-F687-4f45-9708-019B960494DF}">
-                <a14:hiddenLine xmlns:a14="http://schemas.microsoft.com/office/drawing/2010/main" xmlns="" w="9525">
+                <a14:hiddenLine xmlns="" xmlns:a14="http://schemas.microsoft.com/office/drawing/2010/main" w="9525">
                   <a:solidFill>
                     <a:srgbClr val="000000"/>
                   </a:solidFill>
@@ -2497,7 +2503,7 @@
             </a:ln>
             <a:extLst>
               <a:ext uri="{91240B29-F687-4f45-9708-019B960494DF}">
-                <a14:hiddenLine xmlns:a14="http://schemas.microsoft.com/office/drawing/2010/main" xmlns="" w="9525">
+                <a14:hiddenLine xmlns="" xmlns:a14="http://schemas.microsoft.com/office/drawing/2010/main" w="9525">
                   <a:solidFill>
                     <a:srgbClr val="000000"/>
                   </a:solidFill>
@@ -2559,7 +2565,7 @@
             </a:ln>
             <a:extLst>
               <a:ext uri="{91240B29-F687-4f45-9708-019B960494DF}">
-                <a14:hiddenLine xmlns:a14="http://schemas.microsoft.com/office/drawing/2010/main" xmlns="" w="9525">
+                <a14:hiddenLine xmlns="" xmlns:a14="http://schemas.microsoft.com/office/drawing/2010/main" w="9525">
                   <a:solidFill>
                     <a:srgbClr val="000000"/>
                   </a:solidFill>
@@ -2649,7 +2655,7 @@
             </a:ln>
             <a:extLst>
               <a:ext uri="{91240B29-F687-4f45-9708-019B960494DF}">
-                <a14:hiddenLine xmlns:a14="http://schemas.microsoft.com/office/drawing/2010/main" xmlns="" w="9525">
+                <a14:hiddenLine xmlns="" xmlns:a14="http://schemas.microsoft.com/office/drawing/2010/main" w="9525">
                   <a:solidFill>
                     <a:srgbClr val="000000"/>
                   </a:solidFill>
@@ -2717,7 +2723,7 @@
             </a:ln>
             <a:extLst>
               <a:ext uri="{91240B29-F687-4f45-9708-019B960494DF}">
-                <a14:hiddenLine xmlns:a14="http://schemas.microsoft.com/office/drawing/2010/main" xmlns="" w="9525">
+                <a14:hiddenLine xmlns="" xmlns:a14="http://schemas.microsoft.com/office/drawing/2010/main" w="9525">
                   <a:solidFill>
                     <a:srgbClr val="000000"/>
                   </a:solidFill>
@@ -2779,7 +2785,7 @@
             </a:ln>
             <a:extLst>
               <a:ext uri="{91240B29-F687-4f45-9708-019B960494DF}">
-                <a14:hiddenLine xmlns:a14="http://schemas.microsoft.com/office/drawing/2010/main" xmlns="" w="9525">
+                <a14:hiddenLine xmlns="" xmlns:a14="http://schemas.microsoft.com/office/drawing/2010/main" w="9525">
                   <a:solidFill>
                     <a:srgbClr val="000000"/>
                   </a:solidFill>
@@ -2869,7 +2875,7 @@
             </a:ln>
             <a:extLst>
               <a:ext uri="{91240B29-F687-4f45-9708-019B960494DF}">
-                <a14:hiddenLine xmlns:a14="http://schemas.microsoft.com/office/drawing/2010/main" xmlns="" w="9525">
+                <a14:hiddenLine xmlns="" xmlns:a14="http://schemas.microsoft.com/office/drawing/2010/main" w="9525">
                   <a:solidFill>
                     <a:srgbClr val="000000"/>
                   </a:solidFill>
@@ -2931,7 +2937,7 @@
             </a:ln>
             <a:extLst>
               <a:ext uri="{91240B29-F687-4f45-9708-019B960494DF}">
-                <a14:hiddenLine xmlns:a14="http://schemas.microsoft.com/office/drawing/2010/main" xmlns="" w="9525">
+                <a14:hiddenLine xmlns="" xmlns:a14="http://schemas.microsoft.com/office/drawing/2010/main" w="9525">
                   <a:solidFill>
                     <a:srgbClr val="000000"/>
                   </a:solidFill>
@@ -3021,7 +3027,7 @@
             </a:ln>
             <a:extLst>
               <a:ext uri="{91240B29-F687-4f45-9708-019B960494DF}">
-                <a14:hiddenLine xmlns:a14="http://schemas.microsoft.com/office/drawing/2010/main" xmlns="" w="9525">
+                <a14:hiddenLine xmlns="" xmlns:a14="http://schemas.microsoft.com/office/drawing/2010/main" w="9525">
                   <a:solidFill>
                     <a:srgbClr val="000000"/>
                   </a:solidFill>
@@ -3083,7 +3089,7 @@
             </a:ln>
             <a:extLst>
               <a:ext uri="{91240B29-F687-4f45-9708-019B960494DF}">
-                <a14:hiddenLine xmlns:a14="http://schemas.microsoft.com/office/drawing/2010/main" xmlns="" w="9525">
+                <a14:hiddenLine xmlns="" xmlns:a14="http://schemas.microsoft.com/office/drawing/2010/main" w="9525">
                   <a:solidFill>
                     <a:srgbClr val="000000"/>
                   </a:solidFill>
@@ -3173,7 +3179,7 @@
             </a:ln>
             <a:extLst>
               <a:ext uri="{91240B29-F687-4f45-9708-019B960494DF}">
-                <a14:hiddenLine xmlns:a14="http://schemas.microsoft.com/office/drawing/2010/main" xmlns="" w="9525">
+                <a14:hiddenLine xmlns="" xmlns:a14="http://schemas.microsoft.com/office/drawing/2010/main" w="9525">
                   <a:solidFill>
                     <a:srgbClr val="000000"/>
                   </a:solidFill>
@@ -3207,7 +3213,7 @@
             </a:ln>
             <a:extLst>
               <a:ext uri="{91240B29-F687-4f45-9708-019B960494DF}">
-                <a14:hiddenLine xmlns:a14="http://schemas.microsoft.com/office/drawing/2010/main" xmlns="" w="9525">
+                <a14:hiddenLine xmlns="" xmlns:a14="http://schemas.microsoft.com/office/drawing/2010/main" w="9525">
                   <a:solidFill>
                     <a:srgbClr val="000000"/>
                   </a:solidFill>
@@ -3272,7 +3278,7 @@
             </a:ln>
             <a:extLst>
               <a:ext uri="{91240B29-F687-4f45-9708-019B960494DF}">
-                <a14:hiddenLine xmlns:a14="http://schemas.microsoft.com/office/drawing/2010/main" xmlns="" w="9525">
+                <a14:hiddenLine xmlns="" xmlns:a14="http://schemas.microsoft.com/office/drawing/2010/main" w="9525">
                   <a:solidFill>
                     <a:srgbClr val="000000"/>
                   </a:solidFill>
@@ -3362,7 +3368,7 @@
             </a:ln>
             <a:extLst>
               <a:ext uri="{91240B29-F687-4f45-9708-019B960494DF}">
-                <a14:hiddenLine xmlns:a14="http://schemas.microsoft.com/office/drawing/2010/main" xmlns="" w="9525">
+                <a14:hiddenLine xmlns="" xmlns:a14="http://schemas.microsoft.com/office/drawing/2010/main" w="9525">
                   <a:solidFill>
                     <a:srgbClr val="000000"/>
                   </a:solidFill>
@@ -3424,7 +3430,7 @@
             </a:ln>
             <a:extLst>
               <a:ext uri="{91240B29-F687-4f45-9708-019B960494DF}">
-                <a14:hiddenLine xmlns:a14="http://schemas.microsoft.com/office/drawing/2010/main" xmlns="" w="9525">
+                <a14:hiddenLine xmlns="" xmlns:a14="http://schemas.microsoft.com/office/drawing/2010/main" w="9525">
                   <a:solidFill>
                     <a:srgbClr val="000000"/>
                   </a:solidFill>
@@ -3514,7 +3520,7 @@
             </a:ln>
             <a:extLst>
               <a:ext uri="{91240B29-F687-4f45-9708-019B960494DF}">
-                <a14:hiddenLine xmlns:a14="http://schemas.microsoft.com/office/drawing/2010/main" xmlns="" w="9525">
+                <a14:hiddenLine xmlns="" xmlns:a14="http://schemas.microsoft.com/office/drawing/2010/main" w="9525">
                   <a:solidFill>
                     <a:srgbClr val="000000"/>
                   </a:solidFill>
@@ -3604,7 +3610,7 @@
             </a:ln>
             <a:extLst>
               <a:ext uri="{91240B29-F687-4f45-9708-019B960494DF}">
-                <a14:hiddenLine xmlns:a14="http://schemas.microsoft.com/office/drawing/2010/main" xmlns="" w="9525">
+                <a14:hiddenLine xmlns="" xmlns:a14="http://schemas.microsoft.com/office/drawing/2010/main" w="9525">
                   <a:solidFill>
                     <a:srgbClr val="000000"/>
                   </a:solidFill>
@@ -3669,7 +3675,7 @@
             </a:ln>
             <a:extLst>
               <a:ext uri="{91240B29-F687-4f45-9708-019B960494DF}">
-                <a14:hiddenLine xmlns:a14="http://schemas.microsoft.com/office/drawing/2010/main" xmlns="" w="9525">
+                <a14:hiddenLine xmlns="" xmlns:a14="http://schemas.microsoft.com/office/drawing/2010/main" w="9525">
                   <a:solidFill>
                     <a:srgbClr val="000000"/>
                   </a:solidFill>
@@ -3731,7 +3737,7 @@
             </a:ln>
             <a:extLst>
               <a:ext uri="{91240B29-F687-4f45-9708-019B960494DF}">
-                <a14:hiddenLine xmlns:a14="http://schemas.microsoft.com/office/drawing/2010/main" xmlns="" w="9525">
+                <a14:hiddenLine xmlns="" xmlns:a14="http://schemas.microsoft.com/office/drawing/2010/main" w="9525">
                   <a:solidFill>
                     <a:srgbClr val="000000"/>
                   </a:solidFill>
@@ -3821,7 +3827,7 @@
             </a:ln>
             <a:extLst>
               <a:ext uri="{91240B29-F687-4f45-9708-019B960494DF}">
-                <a14:hiddenLine xmlns:a14="http://schemas.microsoft.com/office/drawing/2010/main" xmlns="" w="9525">
+                <a14:hiddenLine xmlns="" xmlns:a14="http://schemas.microsoft.com/office/drawing/2010/main" w="9525">
                   <a:solidFill>
                     <a:srgbClr val="000000"/>
                   </a:solidFill>
@@ -3911,7 +3917,7 @@
             </a:ln>
             <a:extLst>
               <a:ext uri="{91240B29-F687-4f45-9708-019B960494DF}">
-                <a14:hiddenLine xmlns:a14="http://schemas.microsoft.com/office/drawing/2010/main" xmlns="" w="9525">
+                <a14:hiddenLine xmlns="" xmlns:a14="http://schemas.microsoft.com/office/drawing/2010/main" w="9525">
                   <a:solidFill>
                     <a:srgbClr val="000000"/>
                   </a:solidFill>
@@ -3973,7 +3979,7 @@
             </a:ln>
             <a:extLst>
               <a:ext uri="{91240B29-F687-4f45-9708-019B960494DF}">
-                <a14:hiddenLine xmlns:a14="http://schemas.microsoft.com/office/drawing/2010/main" xmlns="" w="9525">
+                <a14:hiddenLine xmlns="" xmlns:a14="http://schemas.microsoft.com/office/drawing/2010/main" w="9525">
                   <a:solidFill>
                     <a:srgbClr val="000000"/>
                   </a:solidFill>
@@ -4093,7 +4099,7 @@
             </a:ln>
             <a:extLst>
               <a:ext uri="{91240B29-F687-4f45-9708-019B960494DF}">
-                <a14:hiddenLine xmlns:a14="http://schemas.microsoft.com/office/drawing/2010/main" xmlns="" w="9525">
+                <a14:hiddenLine xmlns="" xmlns:a14="http://schemas.microsoft.com/office/drawing/2010/main" w="9525">
                   <a:solidFill>
                     <a:srgbClr val="000000"/>
                   </a:solidFill>
@@ -4161,7 +4167,7 @@
             </a:ln>
             <a:extLst>
               <a:ext uri="{91240B29-F687-4f45-9708-019B960494DF}">
-                <a14:hiddenLine xmlns:a14="http://schemas.microsoft.com/office/drawing/2010/main" xmlns="" w="9525">
+                <a14:hiddenLine xmlns="" xmlns:a14="http://schemas.microsoft.com/office/drawing/2010/main" w="9525">
                   <a:solidFill>
                     <a:srgbClr val="000000"/>
                   </a:solidFill>
@@ -4251,7 +4257,7 @@
             </a:ln>
             <a:extLst>
               <a:ext uri="{91240B29-F687-4f45-9708-019B960494DF}">
-                <a14:hiddenLine xmlns:a14="http://schemas.microsoft.com/office/drawing/2010/main" xmlns="" w="9525">
+                <a14:hiddenLine xmlns="" xmlns:a14="http://schemas.microsoft.com/office/drawing/2010/main" w="9525">
                   <a:solidFill>
                     <a:srgbClr val="000000"/>
                   </a:solidFill>
@@ -8980,7 +8986,7 @@
           <a:noFill/>
           <a:extLst>
             <a:ext uri="{909E8E84-426E-40dd-AFC4-6F175D3DCCD1}">
-              <a14:hiddenFill xmlns:a14="http://schemas.microsoft.com/office/drawing/2010/main" xmlns="">
+              <a14:hiddenFill xmlns="" xmlns:a14="http://schemas.microsoft.com/office/drawing/2010/main">
                 <a:solidFill>
                   <a:srgbClr val="FFFFFF"/>
                 </a:solidFill>
@@ -9054,7 +9060,7 @@
               </a:ln>
               <a:extLst>
                 <a:ext uri="{91240B29-F687-4f45-9708-019B960494DF}">
-                  <a14:hiddenLine xmlns:a14="http://schemas.microsoft.com/office/drawing/2010/main" xmlns="" w="9525">
+                  <a14:hiddenLine xmlns="" xmlns:a14="http://schemas.microsoft.com/office/drawing/2010/main" w="9525">
                     <a:solidFill>
                       <a:srgbClr val="000000"/>
                     </a:solidFill>
@@ -9144,7 +9150,7 @@
               </a:ln>
               <a:extLst>
                 <a:ext uri="{91240B29-F687-4f45-9708-019B960494DF}">
-                  <a14:hiddenLine xmlns:a14="http://schemas.microsoft.com/office/drawing/2010/main" xmlns="" w="9525">
+                  <a14:hiddenLine xmlns="" xmlns:a14="http://schemas.microsoft.com/office/drawing/2010/main" w="9525">
                     <a:solidFill>
                       <a:srgbClr val="000000"/>
                     </a:solidFill>
@@ -9234,7 +9240,7 @@
               </a:ln>
               <a:extLst>
                 <a:ext uri="{91240B29-F687-4f45-9708-019B960494DF}">
-                  <a14:hiddenLine xmlns:a14="http://schemas.microsoft.com/office/drawing/2010/main" xmlns="" w="9525">
+                  <a14:hiddenLine xmlns="" xmlns:a14="http://schemas.microsoft.com/office/drawing/2010/main" w="9525">
                     <a:solidFill>
                       <a:srgbClr val="000000"/>
                     </a:solidFill>
@@ -9296,7 +9302,7 @@
               </a:ln>
               <a:extLst>
                 <a:ext uri="{91240B29-F687-4f45-9708-019B960494DF}">
-                  <a14:hiddenLine xmlns:a14="http://schemas.microsoft.com/office/drawing/2010/main" xmlns="" w="9525">
+                  <a14:hiddenLine xmlns="" xmlns:a14="http://schemas.microsoft.com/office/drawing/2010/main" w="9525">
                     <a:solidFill>
                       <a:srgbClr val="000000"/>
                     </a:solidFill>
@@ -9386,7 +9392,7 @@
               </a:ln>
               <a:extLst>
                 <a:ext uri="{91240B29-F687-4f45-9708-019B960494DF}">
-                  <a14:hiddenLine xmlns:a14="http://schemas.microsoft.com/office/drawing/2010/main" xmlns="" w="9525">
+                  <a14:hiddenLine xmlns="" xmlns:a14="http://schemas.microsoft.com/office/drawing/2010/main" w="9525">
                     <a:solidFill>
                       <a:srgbClr val="000000"/>
                     </a:solidFill>
@@ -9448,7 +9454,7 @@
               </a:ln>
               <a:extLst>
                 <a:ext uri="{91240B29-F687-4f45-9708-019B960494DF}">
-                  <a14:hiddenLine xmlns:a14="http://schemas.microsoft.com/office/drawing/2010/main" xmlns="" w="9525">
+                  <a14:hiddenLine xmlns="" xmlns:a14="http://schemas.microsoft.com/office/drawing/2010/main" w="9525">
                     <a:solidFill>
                       <a:srgbClr val="000000"/>
                     </a:solidFill>
@@ -9510,7 +9516,7 @@
               </a:ln>
               <a:extLst>
                 <a:ext uri="{91240B29-F687-4f45-9708-019B960494DF}">
-                  <a14:hiddenLine xmlns:a14="http://schemas.microsoft.com/office/drawing/2010/main" xmlns="" w="9525">
+                  <a14:hiddenLine xmlns="" xmlns:a14="http://schemas.microsoft.com/office/drawing/2010/main" w="9525">
                     <a:solidFill>
                       <a:srgbClr val="000000"/>
                     </a:solidFill>
@@ -9600,7 +9606,7 @@
               </a:ln>
               <a:extLst>
                 <a:ext uri="{91240B29-F687-4f45-9708-019B960494DF}">
-                  <a14:hiddenLine xmlns:a14="http://schemas.microsoft.com/office/drawing/2010/main" xmlns="" w="9525">
+                  <a14:hiddenLine xmlns="" xmlns:a14="http://schemas.microsoft.com/office/drawing/2010/main" w="9525">
                     <a:solidFill>
                       <a:srgbClr val="000000"/>
                     </a:solidFill>
@@ -9690,7 +9696,7 @@
               </a:ln>
               <a:extLst>
                 <a:ext uri="{91240B29-F687-4f45-9708-019B960494DF}">
-                  <a14:hiddenLine xmlns:a14="http://schemas.microsoft.com/office/drawing/2010/main" xmlns="" w="9525">
+                  <a14:hiddenLine xmlns="" xmlns:a14="http://schemas.microsoft.com/office/drawing/2010/main" w="9525">
                     <a:solidFill>
                       <a:srgbClr val="000000"/>
                     </a:solidFill>
@@ -9752,7 +9758,7 @@
               </a:ln>
               <a:extLst>
                 <a:ext uri="{91240B29-F687-4f45-9708-019B960494DF}">
-                  <a14:hiddenLine xmlns:a14="http://schemas.microsoft.com/office/drawing/2010/main" xmlns="" w="9525">
+                  <a14:hiddenLine xmlns="" xmlns:a14="http://schemas.microsoft.com/office/drawing/2010/main" w="9525">
                     <a:solidFill>
                       <a:srgbClr val="000000"/>
                     </a:solidFill>
@@ -9862,7 +9868,7 @@
               </a:ln>
               <a:extLst>
                 <a:ext uri="{91240B29-F687-4f45-9708-019B960494DF}">
-                  <a14:hiddenLine xmlns:a14="http://schemas.microsoft.com/office/drawing/2010/main" xmlns="" w="9525">
+                  <a14:hiddenLine xmlns="" xmlns:a14="http://schemas.microsoft.com/office/drawing/2010/main" w="9525">
                     <a:solidFill>
                       <a:srgbClr val="000000"/>
                     </a:solidFill>
@@ -9946,7 +9952,7 @@
               </a:ln>
               <a:extLst>
                 <a:ext uri="{91240B29-F687-4f45-9708-019B960494DF}">
-                  <a14:hiddenLine xmlns:a14="http://schemas.microsoft.com/office/drawing/2010/main" xmlns="" w="9525">
+                  <a14:hiddenLine xmlns="" xmlns:a14="http://schemas.microsoft.com/office/drawing/2010/main" w="9525">
                     <a:solidFill>
                       <a:srgbClr val="000000"/>
                     </a:solidFill>
@@ -10008,7 +10014,7 @@
               </a:ln>
               <a:extLst>
                 <a:ext uri="{91240B29-F687-4f45-9708-019B960494DF}">
-                  <a14:hiddenLine xmlns:a14="http://schemas.microsoft.com/office/drawing/2010/main" xmlns="" w="9525">
+                  <a14:hiddenLine xmlns="" xmlns:a14="http://schemas.microsoft.com/office/drawing/2010/main" w="9525">
                     <a:solidFill>
                       <a:srgbClr val="000000"/>
                     </a:solidFill>
@@ -10070,7 +10076,7 @@
               </a:ln>
               <a:extLst>
                 <a:ext uri="{91240B29-F687-4f45-9708-019B960494DF}">
-                  <a14:hiddenLine xmlns:a14="http://schemas.microsoft.com/office/drawing/2010/main" xmlns="" w="9525">
+                  <a14:hiddenLine xmlns="" xmlns:a14="http://schemas.microsoft.com/office/drawing/2010/main" w="9525">
                     <a:solidFill>
                       <a:srgbClr val="000000"/>
                     </a:solidFill>
@@ -10160,7 +10166,7 @@
               </a:ln>
               <a:extLst>
                 <a:ext uri="{91240B29-F687-4f45-9708-019B960494DF}">
-                  <a14:hiddenLine xmlns:a14="http://schemas.microsoft.com/office/drawing/2010/main" xmlns="" w="9525">
+                  <a14:hiddenLine xmlns="" xmlns:a14="http://schemas.microsoft.com/office/drawing/2010/main" w="9525">
                     <a:solidFill>
                       <a:srgbClr val="000000"/>
                     </a:solidFill>
@@ -10194,7 +10200,7 @@
               </a:ln>
               <a:extLst>
                 <a:ext uri="{91240B29-F687-4f45-9708-019B960494DF}">
-                  <a14:hiddenLine xmlns:a14="http://schemas.microsoft.com/office/drawing/2010/main" xmlns="" w="9525">
+                  <a14:hiddenLine xmlns="" xmlns:a14="http://schemas.microsoft.com/office/drawing/2010/main" w="9525">
                     <a:solidFill>
                       <a:srgbClr val="000000"/>
                     </a:solidFill>
@@ -10259,7 +10265,7 @@
               </a:ln>
               <a:extLst>
                 <a:ext uri="{91240B29-F687-4f45-9708-019B960494DF}">
-                  <a14:hiddenLine xmlns:a14="http://schemas.microsoft.com/office/drawing/2010/main" xmlns="" w="9525">
+                  <a14:hiddenLine xmlns="" xmlns:a14="http://schemas.microsoft.com/office/drawing/2010/main" w="9525">
                     <a:solidFill>
                       <a:srgbClr val="000000"/>
                     </a:solidFill>
@@ -10349,7 +10355,7 @@
               </a:ln>
               <a:extLst>
                 <a:ext uri="{91240B29-F687-4f45-9708-019B960494DF}">
-                  <a14:hiddenLine xmlns:a14="http://schemas.microsoft.com/office/drawing/2010/main" xmlns="" w="9525">
+                  <a14:hiddenLine xmlns="" xmlns:a14="http://schemas.microsoft.com/office/drawing/2010/main" w="9525">
                     <a:solidFill>
                       <a:srgbClr val="000000"/>
                     </a:solidFill>
@@ -10411,7 +10417,7 @@
               </a:ln>
               <a:extLst>
                 <a:ext uri="{91240B29-F687-4f45-9708-019B960494DF}">
-                  <a14:hiddenLine xmlns:a14="http://schemas.microsoft.com/office/drawing/2010/main" xmlns="" w="9525">
+                  <a14:hiddenLine xmlns="" xmlns:a14="http://schemas.microsoft.com/office/drawing/2010/main" w="9525">
                     <a:solidFill>
                       <a:srgbClr val="000000"/>
                     </a:solidFill>
@@ -10501,7 +10507,7 @@
               </a:ln>
               <a:extLst>
                 <a:ext uri="{91240B29-F687-4f45-9708-019B960494DF}">
-                  <a14:hiddenLine xmlns:a14="http://schemas.microsoft.com/office/drawing/2010/main" xmlns="" w="9525">
+                  <a14:hiddenLine xmlns="" xmlns:a14="http://schemas.microsoft.com/office/drawing/2010/main" w="9525">
                     <a:solidFill>
                       <a:srgbClr val="000000"/>
                     </a:solidFill>
@@ -10566,7 +10572,7 @@
               </a:ln>
               <a:extLst>
                 <a:ext uri="{91240B29-F687-4f45-9708-019B960494DF}">
-                  <a14:hiddenLine xmlns:a14="http://schemas.microsoft.com/office/drawing/2010/main" xmlns="" w="9525">
+                  <a14:hiddenLine xmlns="" xmlns:a14="http://schemas.microsoft.com/office/drawing/2010/main" w="9525">
                     <a:solidFill>
                       <a:srgbClr val="000000"/>
                     </a:solidFill>
@@ -10628,7 +10634,7 @@
               </a:ln>
               <a:extLst>
                 <a:ext uri="{91240B29-F687-4f45-9708-019B960494DF}">
-                  <a14:hiddenLine xmlns:a14="http://schemas.microsoft.com/office/drawing/2010/main" xmlns="" w="9525">
+                  <a14:hiddenLine xmlns="" xmlns:a14="http://schemas.microsoft.com/office/drawing/2010/main" w="9525">
                     <a:solidFill>
                       <a:srgbClr val="000000"/>
                     </a:solidFill>
@@ -10718,7 +10724,7 @@
               </a:ln>
               <a:extLst>
                 <a:ext uri="{91240B29-F687-4f45-9708-019B960494DF}">
-                  <a14:hiddenLine xmlns:a14="http://schemas.microsoft.com/office/drawing/2010/main" xmlns="" w="9525">
+                  <a14:hiddenLine xmlns="" xmlns:a14="http://schemas.microsoft.com/office/drawing/2010/main" w="9525">
                     <a:solidFill>
                       <a:srgbClr val="000000"/>
                     </a:solidFill>
@@ -10808,7 +10814,7 @@
               </a:ln>
               <a:extLst>
                 <a:ext uri="{91240B29-F687-4f45-9708-019B960494DF}">
-                  <a14:hiddenLine xmlns:a14="http://schemas.microsoft.com/office/drawing/2010/main" xmlns="" w="9525">
+                  <a14:hiddenLine xmlns="" xmlns:a14="http://schemas.microsoft.com/office/drawing/2010/main" w="9525">
                     <a:solidFill>
                       <a:srgbClr val="000000"/>
                     </a:solidFill>
@@ -10873,7 +10879,7 @@
               </a:ln>
               <a:extLst>
                 <a:ext uri="{91240B29-F687-4f45-9708-019B960494DF}">
-                  <a14:hiddenLine xmlns:a14="http://schemas.microsoft.com/office/drawing/2010/main" xmlns="" w="9525">
+                  <a14:hiddenLine xmlns="" xmlns:a14="http://schemas.microsoft.com/office/drawing/2010/main" w="9525">
                     <a:solidFill>
                       <a:srgbClr val="000000"/>
                     </a:solidFill>
@@ -10993,7 +10999,7 @@
               </a:ln>
               <a:extLst>
                 <a:ext uri="{91240B29-F687-4f45-9708-019B960494DF}">
-                  <a14:hiddenLine xmlns:a14="http://schemas.microsoft.com/office/drawing/2010/main" xmlns="" w="9525">
+                  <a14:hiddenLine xmlns="" xmlns:a14="http://schemas.microsoft.com/office/drawing/2010/main" w="9525">
                     <a:solidFill>
                       <a:srgbClr val="000000"/>
                     </a:solidFill>
@@ -11074,7 +11080,7 @@
               </a:ln>
               <a:extLst>
                 <a:ext uri="{91240B29-F687-4f45-9708-019B960494DF}">
-                  <a14:hiddenLine xmlns:a14="http://schemas.microsoft.com/office/drawing/2010/main" xmlns="" w="9525">
+                  <a14:hiddenLine xmlns="" xmlns:a14="http://schemas.microsoft.com/office/drawing/2010/main" w="9525">
                     <a:solidFill>
                       <a:srgbClr val="000000"/>
                     </a:solidFill>
@@ -11189,7 +11195,7 @@
               </a:ln>
               <a:extLst>
                 <a:ext uri="{91240B29-F687-4f45-9708-019B960494DF}">
-                  <a14:hiddenLine xmlns:a14="http://schemas.microsoft.com/office/drawing/2010/main" xmlns="" w="9525">
+                  <a14:hiddenLine xmlns="" xmlns:a14="http://schemas.microsoft.com/office/drawing/2010/main" w="9525">
                     <a:solidFill>
                       <a:srgbClr val="000000"/>
                     </a:solidFill>
@@ -11279,7 +11285,7 @@
               </a:ln>
               <a:extLst>
                 <a:ext uri="{91240B29-F687-4f45-9708-019B960494DF}">
-                  <a14:hiddenLine xmlns:a14="http://schemas.microsoft.com/office/drawing/2010/main" xmlns="" w="9525">
+                  <a14:hiddenLine xmlns="" xmlns:a14="http://schemas.microsoft.com/office/drawing/2010/main" w="9525">
                     <a:solidFill>
                       <a:srgbClr val="000000"/>
                     </a:solidFill>
@@ -11344,7 +11350,7 @@
               </a:ln>
               <a:extLst>
                 <a:ext uri="{91240B29-F687-4f45-9708-019B960494DF}">
-                  <a14:hiddenLine xmlns:a14="http://schemas.microsoft.com/office/drawing/2010/main" xmlns="" w="9525">
+                  <a14:hiddenLine xmlns="" xmlns:a14="http://schemas.microsoft.com/office/drawing/2010/main" w="9525">
                     <a:solidFill>
                       <a:srgbClr val="000000"/>
                     </a:solidFill>
@@ -11434,7 +11440,7 @@
               </a:ln>
               <a:extLst>
                 <a:ext uri="{91240B29-F687-4f45-9708-019B960494DF}">
-                  <a14:hiddenLine xmlns:a14="http://schemas.microsoft.com/office/drawing/2010/main" xmlns="" w="9525">
+                  <a14:hiddenLine xmlns="" xmlns:a14="http://schemas.microsoft.com/office/drawing/2010/main" w="9525">
                     <a:solidFill>
                       <a:srgbClr val="000000"/>
                     </a:solidFill>
@@ -11502,7 +11508,7 @@
               </a:ln>
               <a:extLst>
                 <a:ext uri="{91240B29-F687-4f45-9708-019B960494DF}">
-                  <a14:hiddenLine xmlns:a14="http://schemas.microsoft.com/office/drawing/2010/main" xmlns="" w="9525">
+                  <a14:hiddenLine xmlns="" xmlns:a14="http://schemas.microsoft.com/office/drawing/2010/main" w="9525">
                     <a:solidFill>
                       <a:srgbClr val="000000"/>
                     </a:solidFill>
@@ -11592,7 +11598,7 @@
               </a:ln>
               <a:extLst>
                 <a:ext uri="{91240B29-F687-4f45-9708-019B960494DF}">
-                  <a14:hiddenLine xmlns:a14="http://schemas.microsoft.com/office/drawing/2010/main" xmlns="" w="9525">
+                  <a14:hiddenLine xmlns="" xmlns:a14="http://schemas.microsoft.com/office/drawing/2010/main" w="9525">
                     <a:solidFill>
                       <a:srgbClr val="000000"/>
                     </a:solidFill>
@@ -11660,7 +11666,7 @@
               </a:ln>
               <a:extLst>
                 <a:ext uri="{91240B29-F687-4f45-9708-019B960494DF}">
-                  <a14:hiddenLine xmlns:a14="http://schemas.microsoft.com/office/drawing/2010/main" xmlns="" w="9525">
+                  <a14:hiddenLine xmlns="" xmlns:a14="http://schemas.microsoft.com/office/drawing/2010/main" w="9525">
                     <a:solidFill>
                       <a:srgbClr val="000000"/>
                     </a:solidFill>
@@ -11750,7 +11756,7 @@
               </a:ln>
               <a:extLst>
                 <a:ext uri="{91240B29-F687-4f45-9708-019B960494DF}">
-                  <a14:hiddenLine xmlns:a14="http://schemas.microsoft.com/office/drawing/2010/main" xmlns="" w="9525">
+                  <a14:hiddenLine xmlns="" xmlns:a14="http://schemas.microsoft.com/office/drawing/2010/main" w="9525">
                     <a:solidFill>
                       <a:srgbClr val="000000"/>
                     </a:solidFill>
@@ -11784,7 +11790,7 @@
               </a:ln>
               <a:extLst>
                 <a:ext uri="{91240B29-F687-4f45-9708-019B960494DF}">
-                  <a14:hiddenLine xmlns:a14="http://schemas.microsoft.com/office/drawing/2010/main" xmlns="" w="9525">
+                  <a14:hiddenLine xmlns="" xmlns:a14="http://schemas.microsoft.com/office/drawing/2010/main" w="9525">
                     <a:solidFill>
                       <a:srgbClr val="000000"/>
                     </a:solidFill>
@@ -12536,6 +12542,118 @@
           <a:p>
             <a:r>
               <a:rPr lang="fr-FR" dirty="0" smtClean="0"/>
+              <a:t>Mise à disposition de la documentation présentée</a:t>
+            </a:r>
+            <a:endParaRPr lang="fr-FR" dirty="0"/>
+          </a:p>
+        </p:txBody>
+      </p:sp>
+      <p:sp>
+        <p:nvSpPr>
+          <p:cNvPr id="3" name="Espace réservé du contenu 2"/>
+          <p:cNvSpPr>
+            <a:spLocks noGrp="1"/>
+          </p:cNvSpPr>
+          <p:nvPr>
+            <p:ph idx="1"/>
+          </p:nvPr>
+        </p:nvSpPr>
+        <p:spPr/>
+        <p:txBody>
+          <a:bodyPr/>
+          <a:lstStyle/>
+          <a:p>
+            <a:r>
+              <a:rPr lang="fr-FR" dirty="0" smtClean="0"/>
+              <a:t>Faites un pull sur le repo </a:t>
+            </a:r>
+            <a:r>
+              <a:rPr lang="fr-FR" dirty="0" err="1" smtClean="0"/>
+              <a:t>github</a:t>
+            </a:r>
+            <a:r>
+              <a:rPr lang="fr-FR" dirty="0" smtClean="0"/>
+              <a:t> d’hier : </a:t>
+            </a:r>
+          </a:p>
+          <a:p>
+            <a:r>
+              <a:rPr lang="fr-FR" dirty="0">
+                <a:hlinkClick r:id="rId2"/>
+              </a:rPr>
+              <a:t>https://github.com/n-chardon/enc-a11y-training</a:t>
+            </a:r>
+            <a:endParaRPr lang="fr-FR" dirty="0"/>
+          </a:p>
+          <a:p>
+            <a:r>
+              <a:rPr lang="fr-FR" dirty="0" smtClean="0"/>
+              <a:t>Les documents seront complétés </a:t>
+            </a:r>
+          </a:p>
+          <a:p>
+            <a:pPr lvl="1"/>
+            <a:r>
+              <a:rPr lang="fr-FR" dirty="0" smtClean="0"/>
+              <a:t>… notamment avec </a:t>
+            </a:r>
+            <a:r>
+              <a:rPr lang="fr-FR" smtClean="0"/>
+              <a:t>vos demandes !</a:t>
+            </a:r>
+          </a:p>
+          <a:p>
+            <a:endParaRPr lang="fr-FR" dirty="0"/>
+          </a:p>
+        </p:txBody>
+      </p:sp>
+    </p:spTree>
+    <p:extLst>
+      <p:ext uri="{BB962C8B-B14F-4D97-AF65-F5344CB8AC3E}">
+        <p14:creationId xmlns:p14="http://schemas.microsoft.com/office/powerpoint/2010/main" val="1898226458"/>
+      </p:ext>
+    </p:extLst>
+  </p:cSld>
+  <p:clrMapOvr>
+    <a:masterClrMapping/>
+  </p:clrMapOvr>
+</p:sld>
+</file>
+
+<file path=ppt/slides/slide4.xml><?xml version="1.0" encoding="utf-8"?>
+<p:sld xmlns:a="http://schemas.openxmlformats.org/drawingml/2006/main" xmlns:r="http://schemas.openxmlformats.org/officeDocument/2006/relationships" xmlns:p="http://schemas.openxmlformats.org/presentationml/2006/main">
+  <p:cSld>
+    <p:spTree>
+      <p:nvGrpSpPr>
+        <p:cNvPr id="1" name=""/>
+        <p:cNvGrpSpPr/>
+        <p:nvPr/>
+      </p:nvGrpSpPr>
+      <p:grpSpPr>
+        <a:xfrm>
+          <a:off x="0" y="0"/>
+          <a:ext cx="0" cy="0"/>
+          <a:chOff x="0" y="0"/>
+          <a:chExt cx="0" cy="0"/>
+        </a:xfrm>
+      </p:grpSpPr>
+      <p:sp>
+        <p:nvSpPr>
+          <p:cNvPr id="2" name="Titre 1"/>
+          <p:cNvSpPr>
+            <a:spLocks noGrp="1"/>
+          </p:cNvSpPr>
+          <p:nvPr>
+            <p:ph type="title"/>
+          </p:nvPr>
+        </p:nvSpPr>
+        <p:spPr/>
+        <p:txBody>
+          <a:bodyPr/>
+          <a:lstStyle/>
+          <a:p>
+            <a:r>
+              <a:rPr lang="fr-FR" dirty="0" smtClean="0"/>
               <a:t>Programme du 25/09/2019 </a:t>
             </a:r>
             <a:endParaRPr lang="fr-FR" dirty="0"/>
@@ -12893,7 +13011,7 @@
 </file>
 
 <file path=customXml/itemProps1.xml><?xml version="1.0" encoding="utf-8"?>
-<ds:datastoreItem xmlns:ds="http://schemas.openxmlformats.org/officeDocument/2006/customXml" ds:itemID="{B997F0E2-A3F4-42DE-862E-FD1B7AEC98E9}">
+<ds:datastoreItem xmlns:ds="http://schemas.openxmlformats.org/officeDocument/2006/customXml" ds:itemID="{568EFAAB-81B0-4586-A364-209B61E49DB2}">
   <ds:schemaRefs>
     <ds:schemaRef ds:uri="http://www.w3.org/2001/XMLSchema"/>
     <ds:schemaRef ds:uri="http://www.zhaw.ch/AccessibilityAddIn"/>

--- a/presentations/Retours sur la journée 1.pptx
+++ b/presentations/Retours sur la journée 1.pptx
@@ -4,11 +4,16 @@
   <p:sldMasterIdLst>
     <p:sldMasterId id="2147483648" r:id="rId2"/>
   </p:sldMasterIdLst>
+  <p:notesMasterIdLst>
+    <p:notesMasterId r:id="rId9"/>
+  </p:notesMasterIdLst>
   <p:sldIdLst>
     <p:sldId id="256" r:id="rId3"/>
     <p:sldId id="258" r:id="rId4"/>
     <p:sldId id="260" r:id="rId5"/>
     <p:sldId id="259" r:id="rId6"/>
+    <p:sldId id="261" r:id="rId7"/>
+    <p:sldId id="262" r:id="rId8"/>
   </p:sldIdLst>
   <p:sldSz cx="12192000" cy="6858000"/>
   <p:notesSz cx="6858000" cy="9144000"/>
@@ -115,6 +120,860 @@
 </p:presentation>
 </file>
 
+<file path=ppt/notesMasters/notesMaster1.xml><?xml version="1.0" encoding="utf-8"?>
+<p:notesMaster xmlns:a="http://schemas.openxmlformats.org/drawingml/2006/main" xmlns:r="http://schemas.openxmlformats.org/officeDocument/2006/relationships" xmlns:p="http://schemas.openxmlformats.org/presentationml/2006/main">
+  <p:cSld>
+    <p:bg>
+      <p:bgRef idx="1001">
+        <a:schemeClr val="bg1"/>
+      </p:bgRef>
+    </p:bg>
+    <p:spTree>
+      <p:nvGrpSpPr>
+        <p:cNvPr id="1" name=""/>
+        <p:cNvGrpSpPr/>
+        <p:nvPr/>
+      </p:nvGrpSpPr>
+      <p:grpSpPr>
+        <a:xfrm>
+          <a:off x="0" y="0"/>
+          <a:ext cx="0" cy="0"/>
+          <a:chOff x="0" y="0"/>
+          <a:chExt cx="0" cy="0"/>
+        </a:xfrm>
+      </p:grpSpPr>
+      <p:sp>
+        <p:nvSpPr>
+          <p:cNvPr id="2" name="Espace réservé de l'en-tête 1"/>
+          <p:cNvSpPr>
+            <a:spLocks noGrp="1"/>
+          </p:cNvSpPr>
+          <p:nvPr>
+            <p:ph type="hdr" sz="quarter"/>
+          </p:nvPr>
+        </p:nvSpPr>
+        <p:spPr>
+          <a:xfrm>
+            <a:off x="0" y="0"/>
+            <a:ext cx="2971800" cy="458788"/>
+          </a:xfrm>
+          <a:prstGeom prst="rect">
+            <a:avLst/>
+          </a:prstGeom>
+        </p:spPr>
+        <p:txBody>
+          <a:bodyPr vert="horz" lIns="91440" tIns="45720" rIns="91440" bIns="45720" rtlCol="0"/>
+          <a:lstStyle>
+            <a:lvl1pPr algn="l">
+              <a:defRPr sz="1200"/>
+            </a:lvl1pPr>
+          </a:lstStyle>
+          <a:p>
+            <a:endParaRPr lang="fr-FR"/>
+          </a:p>
+        </p:txBody>
+      </p:sp>
+      <p:sp>
+        <p:nvSpPr>
+          <p:cNvPr id="3" name="Espace réservé de la date 2"/>
+          <p:cNvSpPr>
+            <a:spLocks noGrp="1"/>
+          </p:cNvSpPr>
+          <p:nvPr>
+            <p:ph type="dt" idx="1"/>
+          </p:nvPr>
+        </p:nvSpPr>
+        <p:spPr>
+          <a:xfrm>
+            <a:off x="3884613" y="0"/>
+            <a:ext cx="2971800" cy="458788"/>
+          </a:xfrm>
+          <a:prstGeom prst="rect">
+            <a:avLst/>
+          </a:prstGeom>
+        </p:spPr>
+        <p:txBody>
+          <a:bodyPr vert="horz" lIns="91440" tIns="45720" rIns="91440" bIns="45720" rtlCol="0"/>
+          <a:lstStyle>
+            <a:lvl1pPr algn="r">
+              <a:defRPr sz="1200"/>
+            </a:lvl1pPr>
+          </a:lstStyle>
+          <a:p>
+            <a:fld id="{52CE2E70-6857-4027-BF17-F058EDF88B7A}" type="datetimeFigureOut">
+              <a:rPr lang="fr-FR" smtClean="0"/>
+              <a:t>18/09/2019</a:t>
+            </a:fld>
+            <a:endParaRPr lang="fr-FR"/>
+          </a:p>
+        </p:txBody>
+      </p:sp>
+      <p:sp>
+        <p:nvSpPr>
+          <p:cNvPr id="4" name="Espace réservé de l'image des diapositives 3"/>
+          <p:cNvSpPr>
+            <a:spLocks noGrp="1" noRot="1" noChangeAspect="1"/>
+          </p:cNvSpPr>
+          <p:nvPr>
+            <p:ph type="sldImg" idx="2"/>
+          </p:nvPr>
+        </p:nvSpPr>
+        <p:spPr>
+          <a:xfrm>
+            <a:off x="685800" y="1143000"/>
+            <a:ext cx="5486400" cy="3086100"/>
+          </a:xfrm>
+          <a:prstGeom prst="rect">
+            <a:avLst/>
+          </a:prstGeom>
+          <a:noFill/>
+          <a:ln w="12700">
+            <a:solidFill>
+              <a:prstClr val="black"/>
+            </a:solidFill>
+          </a:ln>
+        </p:spPr>
+        <p:txBody>
+          <a:bodyPr vert="horz" lIns="91440" tIns="45720" rIns="91440" bIns="45720" rtlCol="0" anchor="ctr"/>
+          <a:lstStyle/>
+          <a:p>
+            <a:endParaRPr lang="fr-FR"/>
+          </a:p>
+        </p:txBody>
+      </p:sp>
+      <p:sp>
+        <p:nvSpPr>
+          <p:cNvPr id="5" name="Espace réservé des notes 4"/>
+          <p:cNvSpPr>
+            <a:spLocks noGrp="1"/>
+          </p:cNvSpPr>
+          <p:nvPr>
+            <p:ph type="body" sz="quarter" idx="3"/>
+          </p:nvPr>
+        </p:nvSpPr>
+        <p:spPr>
+          <a:xfrm>
+            <a:off x="685800" y="4400550"/>
+            <a:ext cx="5486400" cy="3600450"/>
+          </a:xfrm>
+          <a:prstGeom prst="rect">
+            <a:avLst/>
+          </a:prstGeom>
+        </p:spPr>
+        <p:txBody>
+          <a:bodyPr vert="horz" lIns="91440" tIns="45720" rIns="91440" bIns="45720" rtlCol="0"/>
+          <a:lstStyle/>
+          <a:p>
+            <a:pPr lvl="0"/>
+            <a:r>
+              <a:rPr lang="fr-FR" smtClean="0"/>
+              <a:t>Modifier les styles du texte du masque</a:t>
+            </a:r>
+          </a:p>
+          <a:p>
+            <a:pPr lvl="1"/>
+            <a:r>
+              <a:rPr lang="fr-FR" smtClean="0"/>
+              <a:t>Deuxième niveau</a:t>
+            </a:r>
+          </a:p>
+          <a:p>
+            <a:pPr lvl="2"/>
+            <a:r>
+              <a:rPr lang="fr-FR" smtClean="0"/>
+              <a:t>Troisième niveau</a:t>
+            </a:r>
+          </a:p>
+          <a:p>
+            <a:pPr lvl="3"/>
+            <a:r>
+              <a:rPr lang="fr-FR" smtClean="0"/>
+              <a:t>Quatrième niveau</a:t>
+            </a:r>
+          </a:p>
+          <a:p>
+            <a:pPr lvl="4"/>
+            <a:r>
+              <a:rPr lang="fr-FR" smtClean="0"/>
+              <a:t>Cinquième niveau</a:t>
+            </a:r>
+            <a:endParaRPr lang="fr-FR"/>
+          </a:p>
+        </p:txBody>
+      </p:sp>
+      <p:sp>
+        <p:nvSpPr>
+          <p:cNvPr id="6" name="Espace réservé du pied de page 5"/>
+          <p:cNvSpPr>
+            <a:spLocks noGrp="1"/>
+          </p:cNvSpPr>
+          <p:nvPr>
+            <p:ph type="ftr" sz="quarter" idx="4"/>
+          </p:nvPr>
+        </p:nvSpPr>
+        <p:spPr>
+          <a:xfrm>
+            <a:off x="0" y="8685213"/>
+            <a:ext cx="2971800" cy="458787"/>
+          </a:xfrm>
+          <a:prstGeom prst="rect">
+            <a:avLst/>
+          </a:prstGeom>
+        </p:spPr>
+        <p:txBody>
+          <a:bodyPr vert="horz" lIns="91440" tIns="45720" rIns="91440" bIns="45720" rtlCol="0" anchor="b"/>
+          <a:lstStyle>
+            <a:lvl1pPr algn="l">
+              <a:defRPr sz="1200"/>
+            </a:lvl1pPr>
+          </a:lstStyle>
+          <a:p>
+            <a:endParaRPr lang="fr-FR"/>
+          </a:p>
+        </p:txBody>
+      </p:sp>
+      <p:sp>
+        <p:nvSpPr>
+          <p:cNvPr id="7" name="Espace réservé du numéro de diapositive 6"/>
+          <p:cNvSpPr>
+            <a:spLocks noGrp="1"/>
+          </p:cNvSpPr>
+          <p:nvPr>
+            <p:ph type="sldNum" sz="quarter" idx="5"/>
+          </p:nvPr>
+        </p:nvSpPr>
+        <p:spPr>
+          <a:xfrm>
+            <a:off x="3884613" y="8685213"/>
+            <a:ext cx="2971800" cy="458787"/>
+          </a:xfrm>
+          <a:prstGeom prst="rect">
+            <a:avLst/>
+          </a:prstGeom>
+        </p:spPr>
+        <p:txBody>
+          <a:bodyPr vert="horz" lIns="91440" tIns="45720" rIns="91440" bIns="45720" rtlCol="0" anchor="b"/>
+          <a:lstStyle>
+            <a:lvl1pPr algn="r">
+              <a:defRPr sz="1200"/>
+            </a:lvl1pPr>
+          </a:lstStyle>
+          <a:p>
+            <a:fld id="{E456CB30-1C53-492F-834A-9B673A43CAE0}" type="slidenum">
+              <a:rPr lang="fr-FR" smtClean="0"/>
+              <a:t>‹N°›</a:t>
+            </a:fld>
+            <a:endParaRPr lang="fr-FR"/>
+          </a:p>
+        </p:txBody>
+      </p:sp>
+    </p:spTree>
+    <p:extLst>
+      <p:ext uri="{BB962C8B-B14F-4D97-AF65-F5344CB8AC3E}">
+        <p14:creationId xmlns:p14="http://schemas.microsoft.com/office/powerpoint/2010/main" val="864602804"/>
+      </p:ext>
+    </p:extLst>
+  </p:cSld>
+  <p:clrMap bg1="lt1" tx1="dk1" bg2="lt2" tx2="dk2" accent1="accent1" accent2="accent2" accent3="accent3" accent4="accent4" accent5="accent5" accent6="accent6" hlink="hlink" folHlink="folHlink"/>
+  <p:notesStyle>
+    <a:lvl1pPr marL="0" algn="l" defTabSz="914400" rtl="0" eaLnBrk="1" latinLnBrk="0" hangingPunct="1">
+      <a:defRPr sz="1200" kern="1200">
+        <a:solidFill>
+          <a:schemeClr val="tx1"/>
+        </a:solidFill>
+        <a:latin typeface="+mn-lt"/>
+        <a:ea typeface="+mn-ea"/>
+        <a:cs typeface="+mn-cs"/>
+      </a:defRPr>
+    </a:lvl1pPr>
+    <a:lvl2pPr marL="457200" algn="l" defTabSz="914400" rtl="0" eaLnBrk="1" latinLnBrk="0" hangingPunct="1">
+      <a:defRPr sz="1200" kern="1200">
+        <a:solidFill>
+          <a:schemeClr val="tx1"/>
+        </a:solidFill>
+        <a:latin typeface="+mn-lt"/>
+        <a:ea typeface="+mn-ea"/>
+        <a:cs typeface="+mn-cs"/>
+      </a:defRPr>
+    </a:lvl2pPr>
+    <a:lvl3pPr marL="914400" algn="l" defTabSz="914400" rtl="0" eaLnBrk="1" latinLnBrk="0" hangingPunct="1">
+      <a:defRPr sz="1200" kern="1200">
+        <a:solidFill>
+          <a:schemeClr val="tx1"/>
+        </a:solidFill>
+        <a:latin typeface="+mn-lt"/>
+        <a:ea typeface="+mn-ea"/>
+        <a:cs typeface="+mn-cs"/>
+      </a:defRPr>
+    </a:lvl3pPr>
+    <a:lvl4pPr marL="1371600" algn="l" defTabSz="914400" rtl="0" eaLnBrk="1" latinLnBrk="0" hangingPunct="1">
+      <a:defRPr sz="1200" kern="1200">
+        <a:solidFill>
+          <a:schemeClr val="tx1"/>
+        </a:solidFill>
+        <a:latin typeface="+mn-lt"/>
+        <a:ea typeface="+mn-ea"/>
+        <a:cs typeface="+mn-cs"/>
+      </a:defRPr>
+    </a:lvl4pPr>
+    <a:lvl5pPr marL="1828800" algn="l" defTabSz="914400" rtl="0" eaLnBrk="1" latinLnBrk="0" hangingPunct="1">
+      <a:defRPr sz="1200" kern="1200">
+        <a:solidFill>
+          <a:schemeClr val="tx1"/>
+        </a:solidFill>
+        <a:latin typeface="+mn-lt"/>
+        <a:ea typeface="+mn-ea"/>
+        <a:cs typeface="+mn-cs"/>
+      </a:defRPr>
+    </a:lvl5pPr>
+    <a:lvl6pPr marL="2286000" algn="l" defTabSz="914400" rtl="0" eaLnBrk="1" latinLnBrk="0" hangingPunct="1">
+      <a:defRPr sz="1200" kern="1200">
+        <a:solidFill>
+          <a:schemeClr val="tx1"/>
+        </a:solidFill>
+        <a:latin typeface="+mn-lt"/>
+        <a:ea typeface="+mn-ea"/>
+        <a:cs typeface="+mn-cs"/>
+      </a:defRPr>
+    </a:lvl6pPr>
+    <a:lvl7pPr marL="2743200" algn="l" defTabSz="914400" rtl="0" eaLnBrk="1" latinLnBrk="0" hangingPunct="1">
+      <a:defRPr sz="1200" kern="1200">
+        <a:solidFill>
+          <a:schemeClr val="tx1"/>
+        </a:solidFill>
+        <a:latin typeface="+mn-lt"/>
+        <a:ea typeface="+mn-ea"/>
+        <a:cs typeface="+mn-cs"/>
+      </a:defRPr>
+    </a:lvl7pPr>
+    <a:lvl8pPr marL="3200400" algn="l" defTabSz="914400" rtl="0" eaLnBrk="1" latinLnBrk="0" hangingPunct="1">
+      <a:defRPr sz="1200" kern="1200">
+        <a:solidFill>
+          <a:schemeClr val="tx1"/>
+        </a:solidFill>
+        <a:latin typeface="+mn-lt"/>
+        <a:ea typeface="+mn-ea"/>
+        <a:cs typeface="+mn-cs"/>
+      </a:defRPr>
+    </a:lvl8pPr>
+    <a:lvl9pPr marL="3657600" algn="l" defTabSz="914400" rtl="0" eaLnBrk="1" latinLnBrk="0" hangingPunct="1">
+      <a:defRPr sz="1200" kern="1200">
+        <a:solidFill>
+          <a:schemeClr val="tx1"/>
+        </a:solidFill>
+        <a:latin typeface="+mn-lt"/>
+        <a:ea typeface="+mn-ea"/>
+        <a:cs typeface="+mn-cs"/>
+      </a:defRPr>
+    </a:lvl9pPr>
+  </p:notesStyle>
+</p:notesMaster>
+</file>
+
+<file path=ppt/notesSlides/notesSlide1.xml><?xml version="1.0" encoding="utf-8"?>
+<p:notes xmlns:a="http://schemas.openxmlformats.org/drawingml/2006/main" xmlns:r="http://schemas.openxmlformats.org/officeDocument/2006/relationships" xmlns:p="http://schemas.openxmlformats.org/presentationml/2006/main">
+  <p:cSld>
+    <p:spTree>
+      <p:nvGrpSpPr>
+        <p:cNvPr id="1" name=""/>
+        <p:cNvGrpSpPr/>
+        <p:nvPr/>
+      </p:nvGrpSpPr>
+      <p:grpSpPr>
+        <a:xfrm>
+          <a:off x="0" y="0"/>
+          <a:ext cx="0" cy="0"/>
+          <a:chOff x="0" y="0"/>
+          <a:chExt cx="0" cy="0"/>
+        </a:xfrm>
+      </p:grpSpPr>
+      <p:sp>
+        <p:nvSpPr>
+          <p:cNvPr id="2" name="Espace réservé de l'image des diapositives 1"/>
+          <p:cNvSpPr>
+            <a:spLocks noGrp="1" noRot="1" noChangeAspect="1"/>
+          </p:cNvSpPr>
+          <p:nvPr>
+            <p:ph type="sldImg"/>
+          </p:nvPr>
+        </p:nvSpPr>
+        <p:spPr/>
+      </p:sp>
+      <p:sp>
+        <p:nvSpPr>
+          <p:cNvPr id="3" name="Espace réservé des notes 2"/>
+          <p:cNvSpPr>
+            <a:spLocks noGrp="1"/>
+          </p:cNvSpPr>
+          <p:nvPr>
+            <p:ph type="body" idx="1"/>
+          </p:nvPr>
+        </p:nvSpPr>
+        <p:spPr/>
+        <p:txBody>
+          <a:bodyPr/>
+          <a:lstStyle/>
+          <a:p>
+            <a:endParaRPr lang="fr-FR"/>
+          </a:p>
+        </p:txBody>
+      </p:sp>
+      <p:sp>
+        <p:nvSpPr>
+          <p:cNvPr id="4" name="Espace réservé du numéro de diapositive 3"/>
+          <p:cNvSpPr>
+            <a:spLocks noGrp="1"/>
+          </p:cNvSpPr>
+          <p:nvPr>
+            <p:ph type="sldNum" sz="quarter" idx="10"/>
+          </p:nvPr>
+        </p:nvSpPr>
+        <p:spPr/>
+        <p:txBody>
+          <a:bodyPr/>
+          <a:lstStyle/>
+          <a:p>
+            <a:fld id="{E456CB30-1C53-492F-834A-9B673A43CAE0}" type="slidenum">
+              <a:rPr lang="fr-FR" smtClean="0"/>
+              <a:t>1</a:t>
+            </a:fld>
+            <a:endParaRPr lang="fr-FR"/>
+          </a:p>
+        </p:txBody>
+      </p:sp>
+    </p:spTree>
+    <p:extLst>
+      <p:ext uri="{BB962C8B-B14F-4D97-AF65-F5344CB8AC3E}">
+        <p14:creationId xmlns:p14="http://schemas.microsoft.com/office/powerpoint/2010/main" val="3519102345"/>
+      </p:ext>
+    </p:extLst>
+  </p:cSld>
+  <p:clrMapOvr>
+    <a:masterClrMapping/>
+  </p:clrMapOvr>
+</p:notes>
+</file>
+
+<file path=ppt/notesSlides/notesSlide2.xml><?xml version="1.0" encoding="utf-8"?>
+<p:notes xmlns:a="http://schemas.openxmlformats.org/drawingml/2006/main" xmlns:r="http://schemas.openxmlformats.org/officeDocument/2006/relationships" xmlns:p="http://schemas.openxmlformats.org/presentationml/2006/main">
+  <p:cSld>
+    <p:spTree>
+      <p:nvGrpSpPr>
+        <p:cNvPr id="1" name=""/>
+        <p:cNvGrpSpPr/>
+        <p:nvPr/>
+      </p:nvGrpSpPr>
+      <p:grpSpPr>
+        <a:xfrm>
+          <a:off x="0" y="0"/>
+          <a:ext cx="0" cy="0"/>
+          <a:chOff x="0" y="0"/>
+          <a:chExt cx="0" cy="0"/>
+        </a:xfrm>
+      </p:grpSpPr>
+      <p:sp>
+        <p:nvSpPr>
+          <p:cNvPr id="2" name="Espace réservé de l'image des diapositives 1"/>
+          <p:cNvSpPr>
+            <a:spLocks noGrp="1" noRot="1" noChangeAspect="1"/>
+          </p:cNvSpPr>
+          <p:nvPr>
+            <p:ph type="sldImg"/>
+          </p:nvPr>
+        </p:nvSpPr>
+        <p:spPr/>
+      </p:sp>
+      <p:sp>
+        <p:nvSpPr>
+          <p:cNvPr id="3" name="Espace réservé des notes 2"/>
+          <p:cNvSpPr>
+            <a:spLocks noGrp="1"/>
+          </p:cNvSpPr>
+          <p:nvPr>
+            <p:ph type="body" idx="1"/>
+          </p:nvPr>
+        </p:nvSpPr>
+        <p:spPr/>
+        <p:txBody>
+          <a:bodyPr/>
+          <a:lstStyle/>
+          <a:p>
+            <a:endParaRPr lang="fr-FR"/>
+          </a:p>
+        </p:txBody>
+      </p:sp>
+      <p:sp>
+        <p:nvSpPr>
+          <p:cNvPr id="4" name="Espace réservé du numéro de diapositive 3"/>
+          <p:cNvSpPr>
+            <a:spLocks noGrp="1"/>
+          </p:cNvSpPr>
+          <p:nvPr>
+            <p:ph type="sldNum" sz="quarter" idx="10"/>
+          </p:nvPr>
+        </p:nvSpPr>
+        <p:spPr/>
+        <p:txBody>
+          <a:bodyPr/>
+          <a:lstStyle/>
+          <a:p>
+            <a:fld id="{E456CB30-1C53-492F-834A-9B673A43CAE0}" type="slidenum">
+              <a:rPr lang="fr-FR" smtClean="0"/>
+              <a:t>2</a:t>
+            </a:fld>
+            <a:endParaRPr lang="fr-FR"/>
+          </a:p>
+        </p:txBody>
+      </p:sp>
+    </p:spTree>
+    <p:extLst>
+      <p:ext uri="{BB962C8B-B14F-4D97-AF65-F5344CB8AC3E}">
+        <p14:creationId xmlns:p14="http://schemas.microsoft.com/office/powerpoint/2010/main" val="1846368577"/>
+      </p:ext>
+    </p:extLst>
+  </p:cSld>
+  <p:clrMapOvr>
+    <a:masterClrMapping/>
+  </p:clrMapOvr>
+</p:notes>
+</file>
+
+<file path=ppt/notesSlides/notesSlide3.xml><?xml version="1.0" encoding="utf-8"?>
+<p:notes xmlns:a="http://schemas.openxmlformats.org/drawingml/2006/main" xmlns:r="http://schemas.openxmlformats.org/officeDocument/2006/relationships" xmlns:p="http://schemas.openxmlformats.org/presentationml/2006/main">
+  <p:cSld>
+    <p:spTree>
+      <p:nvGrpSpPr>
+        <p:cNvPr id="1" name=""/>
+        <p:cNvGrpSpPr/>
+        <p:nvPr/>
+      </p:nvGrpSpPr>
+      <p:grpSpPr>
+        <a:xfrm>
+          <a:off x="0" y="0"/>
+          <a:ext cx="0" cy="0"/>
+          <a:chOff x="0" y="0"/>
+          <a:chExt cx="0" cy="0"/>
+        </a:xfrm>
+      </p:grpSpPr>
+      <p:sp>
+        <p:nvSpPr>
+          <p:cNvPr id="2" name="Espace réservé de l'image des diapositives 1"/>
+          <p:cNvSpPr>
+            <a:spLocks noGrp="1" noRot="1" noChangeAspect="1"/>
+          </p:cNvSpPr>
+          <p:nvPr>
+            <p:ph type="sldImg"/>
+          </p:nvPr>
+        </p:nvSpPr>
+        <p:spPr/>
+      </p:sp>
+      <p:sp>
+        <p:nvSpPr>
+          <p:cNvPr id="3" name="Espace réservé des notes 2"/>
+          <p:cNvSpPr>
+            <a:spLocks noGrp="1"/>
+          </p:cNvSpPr>
+          <p:nvPr>
+            <p:ph type="body" idx="1"/>
+          </p:nvPr>
+        </p:nvSpPr>
+        <p:spPr/>
+        <p:txBody>
+          <a:bodyPr/>
+          <a:lstStyle/>
+          <a:p>
+            <a:endParaRPr lang="fr-FR"/>
+          </a:p>
+        </p:txBody>
+      </p:sp>
+      <p:sp>
+        <p:nvSpPr>
+          <p:cNvPr id="4" name="Espace réservé du numéro de diapositive 3"/>
+          <p:cNvSpPr>
+            <a:spLocks noGrp="1"/>
+          </p:cNvSpPr>
+          <p:nvPr>
+            <p:ph type="sldNum" sz="quarter" idx="10"/>
+          </p:nvPr>
+        </p:nvSpPr>
+        <p:spPr/>
+        <p:txBody>
+          <a:bodyPr/>
+          <a:lstStyle/>
+          <a:p>
+            <a:fld id="{E456CB30-1C53-492F-834A-9B673A43CAE0}" type="slidenum">
+              <a:rPr lang="fr-FR" smtClean="0"/>
+              <a:t>3</a:t>
+            </a:fld>
+            <a:endParaRPr lang="fr-FR"/>
+          </a:p>
+        </p:txBody>
+      </p:sp>
+    </p:spTree>
+    <p:extLst>
+      <p:ext uri="{BB962C8B-B14F-4D97-AF65-F5344CB8AC3E}">
+        <p14:creationId xmlns:p14="http://schemas.microsoft.com/office/powerpoint/2010/main" val="576068200"/>
+      </p:ext>
+    </p:extLst>
+  </p:cSld>
+  <p:clrMapOvr>
+    <a:masterClrMapping/>
+  </p:clrMapOvr>
+</p:notes>
+</file>
+
+<file path=ppt/notesSlides/notesSlide4.xml><?xml version="1.0" encoding="utf-8"?>
+<p:notes xmlns:a="http://schemas.openxmlformats.org/drawingml/2006/main" xmlns:r="http://schemas.openxmlformats.org/officeDocument/2006/relationships" xmlns:p="http://schemas.openxmlformats.org/presentationml/2006/main">
+  <p:cSld>
+    <p:spTree>
+      <p:nvGrpSpPr>
+        <p:cNvPr id="1" name=""/>
+        <p:cNvGrpSpPr/>
+        <p:nvPr/>
+      </p:nvGrpSpPr>
+      <p:grpSpPr>
+        <a:xfrm>
+          <a:off x="0" y="0"/>
+          <a:ext cx="0" cy="0"/>
+          <a:chOff x="0" y="0"/>
+          <a:chExt cx="0" cy="0"/>
+        </a:xfrm>
+      </p:grpSpPr>
+      <p:sp>
+        <p:nvSpPr>
+          <p:cNvPr id="2" name="Espace réservé de l'image des diapositives 1"/>
+          <p:cNvSpPr>
+            <a:spLocks noGrp="1" noRot="1" noChangeAspect="1"/>
+          </p:cNvSpPr>
+          <p:nvPr>
+            <p:ph type="sldImg"/>
+          </p:nvPr>
+        </p:nvSpPr>
+        <p:spPr/>
+      </p:sp>
+      <p:sp>
+        <p:nvSpPr>
+          <p:cNvPr id="3" name="Espace réservé des notes 2"/>
+          <p:cNvSpPr>
+            <a:spLocks noGrp="1"/>
+          </p:cNvSpPr>
+          <p:nvPr>
+            <p:ph type="body" idx="1"/>
+          </p:nvPr>
+        </p:nvSpPr>
+        <p:spPr/>
+        <p:txBody>
+          <a:bodyPr/>
+          <a:lstStyle/>
+          <a:p>
+            <a:endParaRPr lang="fr-FR"/>
+          </a:p>
+        </p:txBody>
+      </p:sp>
+      <p:sp>
+        <p:nvSpPr>
+          <p:cNvPr id="4" name="Espace réservé du numéro de diapositive 3"/>
+          <p:cNvSpPr>
+            <a:spLocks noGrp="1"/>
+          </p:cNvSpPr>
+          <p:nvPr>
+            <p:ph type="sldNum" sz="quarter" idx="10"/>
+          </p:nvPr>
+        </p:nvSpPr>
+        <p:spPr/>
+        <p:txBody>
+          <a:bodyPr/>
+          <a:lstStyle/>
+          <a:p>
+            <a:fld id="{E456CB30-1C53-492F-834A-9B673A43CAE0}" type="slidenum">
+              <a:rPr lang="fr-FR" smtClean="0"/>
+              <a:t>4</a:t>
+            </a:fld>
+            <a:endParaRPr lang="fr-FR"/>
+          </a:p>
+        </p:txBody>
+      </p:sp>
+    </p:spTree>
+    <p:extLst>
+      <p:ext uri="{BB962C8B-B14F-4D97-AF65-F5344CB8AC3E}">
+        <p14:creationId xmlns:p14="http://schemas.microsoft.com/office/powerpoint/2010/main" val="4097292652"/>
+      </p:ext>
+    </p:extLst>
+  </p:cSld>
+  <p:clrMapOvr>
+    <a:masterClrMapping/>
+  </p:clrMapOvr>
+</p:notes>
+</file>
+
+<file path=ppt/notesSlides/notesSlide5.xml><?xml version="1.0" encoding="utf-8"?>
+<p:notes xmlns:a="http://schemas.openxmlformats.org/drawingml/2006/main" xmlns:r="http://schemas.openxmlformats.org/officeDocument/2006/relationships" xmlns:p="http://schemas.openxmlformats.org/presentationml/2006/main">
+  <p:cSld>
+    <p:spTree>
+      <p:nvGrpSpPr>
+        <p:cNvPr id="1" name=""/>
+        <p:cNvGrpSpPr/>
+        <p:nvPr/>
+      </p:nvGrpSpPr>
+      <p:grpSpPr>
+        <a:xfrm>
+          <a:off x="0" y="0"/>
+          <a:ext cx="0" cy="0"/>
+          <a:chOff x="0" y="0"/>
+          <a:chExt cx="0" cy="0"/>
+        </a:xfrm>
+      </p:grpSpPr>
+      <p:sp>
+        <p:nvSpPr>
+          <p:cNvPr id="2" name="Espace réservé de l'image des diapositives 1"/>
+          <p:cNvSpPr>
+            <a:spLocks noGrp="1" noRot="1" noChangeAspect="1"/>
+          </p:cNvSpPr>
+          <p:nvPr>
+            <p:ph type="sldImg"/>
+          </p:nvPr>
+        </p:nvSpPr>
+        <p:spPr/>
+      </p:sp>
+      <p:sp>
+        <p:nvSpPr>
+          <p:cNvPr id="3" name="Espace réservé des notes 2"/>
+          <p:cNvSpPr>
+            <a:spLocks noGrp="1"/>
+          </p:cNvSpPr>
+          <p:nvPr>
+            <p:ph type="body" idx="1"/>
+          </p:nvPr>
+        </p:nvSpPr>
+        <p:spPr/>
+        <p:txBody>
+          <a:bodyPr/>
+          <a:lstStyle/>
+          <a:p>
+            <a:endParaRPr lang="fr-FR"/>
+          </a:p>
+        </p:txBody>
+      </p:sp>
+      <p:sp>
+        <p:nvSpPr>
+          <p:cNvPr id="4" name="Espace réservé du numéro de diapositive 3"/>
+          <p:cNvSpPr>
+            <a:spLocks noGrp="1"/>
+          </p:cNvSpPr>
+          <p:nvPr>
+            <p:ph type="sldNum" sz="quarter" idx="10"/>
+          </p:nvPr>
+        </p:nvSpPr>
+        <p:spPr/>
+        <p:txBody>
+          <a:bodyPr/>
+          <a:lstStyle/>
+          <a:p>
+            <a:fld id="{E456CB30-1C53-492F-834A-9B673A43CAE0}" type="slidenum">
+              <a:rPr lang="fr-FR" smtClean="0"/>
+              <a:t>5</a:t>
+            </a:fld>
+            <a:endParaRPr lang="fr-FR"/>
+          </a:p>
+        </p:txBody>
+      </p:sp>
+    </p:spTree>
+    <p:extLst>
+      <p:ext uri="{BB962C8B-B14F-4D97-AF65-F5344CB8AC3E}">
+        <p14:creationId xmlns:p14="http://schemas.microsoft.com/office/powerpoint/2010/main" val="2540397727"/>
+      </p:ext>
+    </p:extLst>
+  </p:cSld>
+  <p:clrMapOvr>
+    <a:masterClrMapping/>
+  </p:clrMapOvr>
+</p:notes>
+</file>
+
+<file path=ppt/notesSlides/notesSlide6.xml><?xml version="1.0" encoding="utf-8"?>
+<p:notes xmlns:a="http://schemas.openxmlformats.org/drawingml/2006/main" xmlns:r="http://schemas.openxmlformats.org/officeDocument/2006/relationships" xmlns:p="http://schemas.openxmlformats.org/presentationml/2006/main">
+  <p:cSld>
+    <p:spTree>
+      <p:nvGrpSpPr>
+        <p:cNvPr id="1" name=""/>
+        <p:cNvGrpSpPr/>
+        <p:nvPr/>
+      </p:nvGrpSpPr>
+      <p:grpSpPr>
+        <a:xfrm>
+          <a:off x="0" y="0"/>
+          <a:ext cx="0" cy="0"/>
+          <a:chOff x="0" y="0"/>
+          <a:chExt cx="0" cy="0"/>
+        </a:xfrm>
+      </p:grpSpPr>
+      <p:sp>
+        <p:nvSpPr>
+          <p:cNvPr id="2" name="Espace réservé de l'image des diapositives 1"/>
+          <p:cNvSpPr>
+            <a:spLocks noGrp="1" noRot="1" noChangeAspect="1"/>
+          </p:cNvSpPr>
+          <p:nvPr>
+            <p:ph type="sldImg"/>
+          </p:nvPr>
+        </p:nvSpPr>
+        <p:spPr/>
+      </p:sp>
+      <p:sp>
+        <p:nvSpPr>
+          <p:cNvPr id="3" name="Espace réservé des notes 2"/>
+          <p:cNvSpPr>
+            <a:spLocks noGrp="1"/>
+          </p:cNvSpPr>
+          <p:nvPr>
+            <p:ph type="body" idx="1"/>
+          </p:nvPr>
+        </p:nvSpPr>
+        <p:spPr/>
+        <p:txBody>
+          <a:bodyPr/>
+          <a:lstStyle/>
+          <a:p>
+            <a:endParaRPr lang="fr-FR"/>
+          </a:p>
+        </p:txBody>
+      </p:sp>
+      <p:sp>
+        <p:nvSpPr>
+          <p:cNvPr id="4" name="Espace réservé du numéro de diapositive 3"/>
+          <p:cNvSpPr>
+            <a:spLocks noGrp="1"/>
+          </p:cNvSpPr>
+          <p:nvPr>
+            <p:ph type="sldNum" sz="quarter" idx="10"/>
+          </p:nvPr>
+        </p:nvSpPr>
+        <p:spPr/>
+        <p:txBody>
+          <a:bodyPr/>
+          <a:lstStyle/>
+          <a:p>
+            <a:fld id="{E456CB30-1C53-492F-834A-9B673A43CAE0}" type="slidenum">
+              <a:rPr lang="fr-FR" smtClean="0"/>
+              <a:t>6</a:t>
+            </a:fld>
+            <a:endParaRPr lang="fr-FR"/>
+          </a:p>
+        </p:txBody>
+      </p:sp>
+    </p:spTree>
+    <p:extLst>
+      <p:ext uri="{BB962C8B-B14F-4D97-AF65-F5344CB8AC3E}">
+        <p14:creationId xmlns:p14="http://schemas.microsoft.com/office/powerpoint/2010/main" val="2573712928"/>
+      </p:ext>
+    </p:extLst>
+  </p:cSld>
+  <p:clrMapOvr>
+    <a:masterClrMapping/>
+  </p:clrMapOvr>
+</p:notes>
+</file>
+
 <file path=ppt/slideLayouts/slideLayout1.xml><?xml version="1.0" encoding="utf-8"?>
 <p:sldLayout xmlns:a="http://schemas.openxmlformats.org/drawingml/2006/main" xmlns:r="http://schemas.openxmlformats.org/officeDocument/2006/relationships" xmlns:p="http://schemas.openxmlformats.org/presentationml/2006/main" showMasterSp="0" type="title" preserve="1">
   <p:cSld name="Diapositive de titre">
@@ -172,7 +1031,7 @@
           <a:noFill/>
           <a:extLst>
             <a:ext uri="{909E8E84-426E-40dd-AFC4-6F175D3DCCD1}">
-              <a14:hiddenFill xmlns="" xmlns:a14="http://schemas.microsoft.com/office/drawing/2010/main">
+              <a14:hiddenFill xmlns:a14="http://schemas.microsoft.com/office/drawing/2010/main" xmlns="">
                 <a:solidFill>
                   <a:srgbClr val="FFFFFF"/>
                 </a:solidFill>
@@ -231,7 +1090,7 @@
             </a:ln>
             <a:extLst>
               <a:ext uri="{91240B29-F687-4f45-9708-019B960494DF}">
-                <a14:hiddenLine xmlns="" xmlns:a14="http://schemas.microsoft.com/office/drawing/2010/main" w="9525">
+                <a14:hiddenLine xmlns:a14="http://schemas.microsoft.com/office/drawing/2010/main" xmlns="" w="9525">
                   <a:solidFill>
                     <a:srgbClr val="000000"/>
                   </a:solidFill>
@@ -321,7 +1180,7 @@
             </a:ln>
             <a:extLst>
               <a:ext uri="{91240B29-F687-4f45-9708-019B960494DF}">
-                <a14:hiddenLine xmlns="" xmlns:a14="http://schemas.microsoft.com/office/drawing/2010/main" w="9525">
+                <a14:hiddenLine xmlns:a14="http://schemas.microsoft.com/office/drawing/2010/main" xmlns="" w="9525">
                   <a:solidFill>
                     <a:srgbClr val="000000"/>
                   </a:solidFill>
@@ -411,7 +1270,7 @@
             </a:ln>
             <a:extLst>
               <a:ext uri="{91240B29-F687-4f45-9708-019B960494DF}">
-                <a14:hiddenLine xmlns="" xmlns:a14="http://schemas.microsoft.com/office/drawing/2010/main" w="9525">
+                <a14:hiddenLine xmlns:a14="http://schemas.microsoft.com/office/drawing/2010/main" xmlns="" w="9525">
                   <a:solidFill>
                     <a:srgbClr val="000000"/>
                   </a:solidFill>
@@ -445,7 +1304,7 @@
             </a:ln>
             <a:extLst>
               <a:ext uri="{91240B29-F687-4f45-9708-019B960494DF}">
-                <a14:hiddenLine xmlns="" xmlns:a14="http://schemas.microsoft.com/office/drawing/2010/main" w="9525">
+                <a14:hiddenLine xmlns:a14="http://schemas.microsoft.com/office/drawing/2010/main" xmlns="" w="9525">
                   <a:solidFill>
                     <a:srgbClr val="000000"/>
                   </a:solidFill>
@@ -535,7 +1394,7 @@
             </a:ln>
             <a:extLst>
               <a:ext uri="{91240B29-F687-4f45-9708-019B960494DF}">
-                <a14:hiddenLine xmlns="" xmlns:a14="http://schemas.microsoft.com/office/drawing/2010/main" w="9525">
+                <a14:hiddenLine xmlns:a14="http://schemas.microsoft.com/office/drawing/2010/main" xmlns="" w="9525">
                   <a:solidFill>
                     <a:srgbClr val="000000"/>
                   </a:solidFill>
@@ -597,7 +1456,7 @@
             </a:ln>
             <a:extLst>
               <a:ext uri="{91240B29-F687-4f45-9708-019B960494DF}">
-                <a14:hiddenLine xmlns="" xmlns:a14="http://schemas.microsoft.com/office/drawing/2010/main" w="9525">
+                <a14:hiddenLine xmlns:a14="http://schemas.microsoft.com/office/drawing/2010/main" xmlns="" w="9525">
                   <a:solidFill>
                     <a:srgbClr val="000000"/>
                   </a:solidFill>
@@ -659,7 +1518,7 @@
             </a:ln>
             <a:extLst>
               <a:ext uri="{91240B29-F687-4f45-9708-019B960494DF}">
-                <a14:hiddenLine xmlns="" xmlns:a14="http://schemas.microsoft.com/office/drawing/2010/main" w="9525">
+                <a14:hiddenLine xmlns:a14="http://schemas.microsoft.com/office/drawing/2010/main" xmlns="" w="9525">
                   <a:solidFill>
                     <a:srgbClr val="000000"/>
                   </a:solidFill>
@@ -749,7 +1608,7 @@
             </a:ln>
             <a:extLst>
               <a:ext uri="{91240B29-F687-4f45-9708-019B960494DF}">
-                <a14:hiddenLine xmlns="" xmlns:a14="http://schemas.microsoft.com/office/drawing/2010/main" w="9525">
+                <a14:hiddenLine xmlns:a14="http://schemas.microsoft.com/office/drawing/2010/main" xmlns="" w="9525">
                   <a:solidFill>
                     <a:srgbClr val="000000"/>
                   </a:solidFill>
@@ -811,7 +1670,7 @@
             </a:ln>
             <a:extLst>
               <a:ext uri="{91240B29-F687-4f45-9708-019B960494DF}">
-                <a14:hiddenLine xmlns="" xmlns:a14="http://schemas.microsoft.com/office/drawing/2010/main" w="9525">
+                <a14:hiddenLine xmlns:a14="http://schemas.microsoft.com/office/drawing/2010/main" xmlns="" w="9525">
                   <a:solidFill>
                     <a:srgbClr val="000000"/>
                   </a:solidFill>
@@ -873,7 +1732,7 @@
             </a:ln>
             <a:extLst>
               <a:ext uri="{91240B29-F687-4f45-9708-019B960494DF}">
-                <a14:hiddenLine xmlns="" xmlns:a14="http://schemas.microsoft.com/office/drawing/2010/main" w="9525">
+                <a14:hiddenLine xmlns:a14="http://schemas.microsoft.com/office/drawing/2010/main" xmlns="" w="9525">
                   <a:solidFill>
                     <a:srgbClr val="000000"/>
                   </a:solidFill>
@@ -963,7 +1822,7 @@
             </a:ln>
             <a:extLst>
               <a:ext uri="{91240B29-F687-4f45-9708-019B960494DF}">
-                <a14:hiddenLine xmlns="" xmlns:a14="http://schemas.microsoft.com/office/drawing/2010/main" w="9525">
+                <a14:hiddenLine xmlns:a14="http://schemas.microsoft.com/office/drawing/2010/main" xmlns="" w="9525">
                   <a:solidFill>
                     <a:srgbClr val="000000"/>
                   </a:solidFill>
@@ -1053,7 +1912,7 @@
             </a:ln>
             <a:extLst>
               <a:ext uri="{91240B29-F687-4f45-9708-019B960494DF}">
-                <a14:hiddenLine xmlns="" xmlns:a14="http://schemas.microsoft.com/office/drawing/2010/main" w="9525">
+                <a14:hiddenLine xmlns:a14="http://schemas.microsoft.com/office/drawing/2010/main" xmlns="" w="9525">
                   <a:solidFill>
                     <a:srgbClr val="000000"/>
                   </a:solidFill>
@@ -1115,7 +1974,7 @@
             </a:ln>
             <a:extLst>
               <a:ext uri="{91240B29-F687-4f45-9708-019B960494DF}">
-                <a14:hiddenLine xmlns="" xmlns:a14="http://schemas.microsoft.com/office/drawing/2010/main" w="9525">
+                <a14:hiddenLine xmlns:a14="http://schemas.microsoft.com/office/drawing/2010/main" xmlns="" w="9525">
                   <a:solidFill>
                     <a:srgbClr val="000000"/>
                   </a:solidFill>
@@ -1225,7 +2084,7 @@
             </a:ln>
             <a:extLst>
               <a:ext uri="{91240B29-F687-4f45-9708-019B960494DF}">
-                <a14:hiddenLine xmlns="" xmlns:a14="http://schemas.microsoft.com/office/drawing/2010/main" w="9525">
+                <a14:hiddenLine xmlns:a14="http://schemas.microsoft.com/office/drawing/2010/main" xmlns="" w="9525">
                   <a:solidFill>
                     <a:srgbClr val="000000"/>
                   </a:solidFill>
@@ -1287,7 +2146,7 @@
             </a:ln>
             <a:extLst>
               <a:ext uri="{91240B29-F687-4f45-9708-019B960494DF}">
-                <a14:hiddenLine xmlns="" xmlns:a14="http://schemas.microsoft.com/office/drawing/2010/main" w="9525">
+                <a14:hiddenLine xmlns:a14="http://schemas.microsoft.com/office/drawing/2010/main" xmlns="" w="9525">
                   <a:solidFill>
                     <a:srgbClr val="000000"/>
                   </a:solidFill>
@@ -1377,7 +2236,7 @@
             </a:ln>
             <a:extLst>
               <a:ext uri="{91240B29-F687-4f45-9708-019B960494DF}">
-                <a14:hiddenLine xmlns="" xmlns:a14="http://schemas.microsoft.com/office/drawing/2010/main" w="9525">
+                <a14:hiddenLine xmlns:a14="http://schemas.microsoft.com/office/drawing/2010/main" xmlns="" w="9525">
                   <a:solidFill>
                     <a:srgbClr val="000000"/>
                   </a:solidFill>
@@ -1467,7 +2326,7 @@
             </a:ln>
             <a:extLst>
               <a:ext uri="{91240B29-F687-4f45-9708-019B960494DF}">
-                <a14:hiddenLine xmlns="" xmlns:a14="http://schemas.microsoft.com/office/drawing/2010/main" w="9525">
+                <a14:hiddenLine xmlns:a14="http://schemas.microsoft.com/office/drawing/2010/main" xmlns="" w="9525">
                   <a:solidFill>
                     <a:srgbClr val="000000"/>
                   </a:solidFill>
@@ -1529,7 +2388,7 @@
             </a:ln>
             <a:extLst>
               <a:ext uri="{91240B29-F687-4f45-9708-019B960494DF}">
-                <a14:hiddenLine xmlns="" xmlns:a14="http://schemas.microsoft.com/office/drawing/2010/main" w="9525">
+                <a14:hiddenLine xmlns:a14="http://schemas.microsoft.com/office/drawing/2010/main" xmlns="" w="9525">
                   <a:solidFill>
                     <a:srgbClr val="000000"/>
                   </a:solidFill>
@@ -1619,7 +2478,7 @@
             </a:ln>
             <a:extLst>
               <a:ext uri="{91240B29-F687-4f45-9708-019B960494DF}">
-                <a14:hiddenLine xmlns="" xmlns:a14="http://schemas.microsoft.com/office/drawing/2010/main" w="9525">
+                <a14:hiddenLine xmlns:a14="http://schemas.microsoft.com/office/drawing/2010/main" xmlns="" w="9525">
                   <a:solidFill>
                     <a:srgbClr val="000000"/>
                   </a:solidFill>
@@ -1709,7 +2568,7 @@
             </a:ln>
             <a:extLst>
               <a:ext uri="{91240B29-F687-4f45-9708-019B960494DF}">
-                <a14:hiddenLine xmlns="" xmlns:a14="http://schemas.microsoft.com/office/drawing/2010/main" w="9525">
+                <a14:hiddenLine xmlns:a14="http://schemas.microsoft.com/office/drawing/2010/main" xmlns="" w="9525">
                   <a:solidFill>
                     <a:srgbClr val="000000"/>
                   </a:solidFill>
@@ -1765,7 +2624,7 @@
             </a:ln>
             <a:extLst>
               <a:ext uri="{91240B29-F687-4f45-9708-019B960494DF}">
-                <a14:hiddenLine xmlns="" xmlns:a14="http://schemas.microsoft.com/office/drawing/2010/main" w="9525">
+                <a14:hiddenLine xmlns:a14="http://schemas.microsoft.com/office/drawing/2010/main" xmlns="" w="9525">
                   <a:solidFill>
                     <a:srgbClr val="000000"/>
                   </a:solidFill>
@@ -1855,7 +2714,7 @@
             </a:ln>
             <a:extLst>
               <a:ext uri="{91240B29-F687-4f45-9708-019B960494DF}">
-                <a14:hiddenLine xmlns="" xmlns:a14="http://schemas.microsoft.com/office/drawing/2010/main" w="9525">
+                <a14:hiddenLine xmlns:a14="http://schemas.microsoft.com/office/drawing/2010/main" xmlns="" w="9525">
                   <a:solidFill>
                     <a:srgbClr val="000000"/>
                   </a:solidFill>
@@ -1911,7 +2770,7 @@
             </a:ln>
             <a:extLst>
               <a:ext uri="{91240B29-F687-4f45-9708-019B960494DF}">
-                <a14:hiddenLine xmlns="" xmlns:a14="http://schemas.microsoft.com/office/drawing/2010/main" w="9525">
+                <a14:hiddenLine xmlns:a14="http://schemas.microsoft.com/office/drawing/2010/main" xmlns="" w="9525">
                   <a:solidFill>
                     <a:srgbClr val="000000"/>
                   </a:solidFill>
@@ -2001,7 +2860,7 @@
             </a:ln>
             <a:extLst>
               <a:ext uri="{91240B29-F687-4f45-9708-019B960494DF}">
-                <a14:hiddenLine xmlns="" xmlns:a14="http://schemas.microsoft.com/office/drawing/2010/main" w="9525">
+                <a14:hiddenLine xmlns:a14="http://schemas.microsoft.com/office/drawing/2010/main" xmlns="" w="9525">
                   <a:solidFill>
                     <a:srgbClr val="000000"/>
                   </a:solidFill>
@@ -2069,7 +2928,7 @@
             </a:ln>
             <a:extLst>
               <a:ext uri="{91240B29-F687-4f45-9708-019B960494DF}">
-                <a14:hiddenLine xmlns="" xmlns:a14="http://schemas.microsoft.com/office/drawing/2010/main" w="9525">
+                <a14:hiddenLine xmlns:a14="http://schemas.microsoft.com/office/drawing/2010/main" xmlns="" w="9525">
                   <a:solidFill>
                     <a:srgbClr val="000000"/>
                   </a:solidFill>
@@ -2159,7 +3018,7 @@
             </a:ln>
             <a:extLst>
               <a:ext uri="{91240B29-F687-4f45-9708-019B960494DF}">
-                <a14:hiddenLine xmlns="" xmlns:a14="http://schemas.microsoft.com/office/drawing/2010/main" w="9525">
+                <a14:hiddenLine xmlns:a14="http://schemas.microsoft.com/office/drawing/2010/main" xmlns="" w="9525">
                   <a:solidFill>
                     <a:srgbClr val="000000"/>
                   </a:solidFill>
@@ -2227,7 +3086,7 @@
             </a:ln>
             <a:extLst>
               <a:ext uri="{91240B29-F687-4f45-9708-019B960494DF}">
-                <a14:hiddenLine xmlns="" xmlns:a14="http://schemas.microsoft.com/office/drawing/2010/main" w="9525">
+                <a14:hiddenLine xmlns:a14="http://schemas.microsoft.com/office/drawing/2010/main" xmlns="" w="9525">
                   <a:solidFill>
                     <a:srgbClr val="000000"/>
                   </a:solidFill>
@@ -2317,7 +3176,7 @@
             </a:ln>
             <a:extLst>
               <a:ext uri="{91240B29-F687-4f45-9708-019B960494DF}">
-                <a14:hiddenLine xmlns="" xmlns:a14="http://schemas.microsoft.com/office/drawing/2010/main" w="9525">
+                <a14:hiddenLine xmlns:a14="http://schemas.microsoft.com/office/drawing/2010/main" xmlns="" w="9525">
                   <a:solidFill>
                     <a:srgbClr val="000000"/>
                   </a:solidFill>
@@ -2351,7 +3210,7 @@
             </a:ln>
             <a:extLst>
               <a:ext uri="{91240B29-F687-4f45-9708-019B960494DF}">
-                <a14:hiddenLine xmlns="" xmlns:a14="http://schemas.microsoft.com/office/drawing/2010/main" w="9525">
+                <a14:hiddenLine xmlns:a14="http://schemas.microsoft.com/office/drawing/2010/main" xmlns="" w="9525">
                   <a:solidFill>
                     <a:srgbClr val="000000"/>
                   </a:solidFill>
@@ -2441,7 +3300,7 @@
             </a:ln>
             <a:extLst>
               <a:ext uri="{91240B29-F687-4f45-9708-019B960494DF}">
-                <a14:hiddenLine xmlns="" xmlns:a14="http://schemas.microsoft.com/office/drawing/2010/main" w="9525">
+                <a14:hiddenLine xmlns:a14="http://schemas.microsoft.com/office/drawing/2010/main" xmlns="" w="9525">
                   <a:solidFill>
                     <a:srgbClr val="000000"/>
                   </a:solidFill>
@@ -2503,7 +3362,7 @@
             </a:ln>
             <a:extLst>
               <a:ext uri="{91240B29-F687-4f45-9708-019B960494DF}">
-                <a14:hiddenLine xmlns="" xmlns:a14="http://schemas.microsoft.com/office/drawing/2010/main" w="9525">
+                <a14:hiddenLine xmlns:a14="http://schemas.microsoft.com/office/drawing/2010/main" xmlns="" w="9525">
                   <a:solidFill>
                     <a:srgbClr val="000000"/>
                   </a:solidFill>
@@ -2565,7 +3424,7 @@
             </a:ln>
             <a:extLst>
               <a:ext uri="{91240B29-F687-4f45-9708-019B960494DF}">
-                <a14:hiddenLine xmlns="" xmlns:a14="http://schemas.microsoft.com/office/drawing/2010/main" w="9525">
+                <a14:hiddenLine xmlns:a14="http://schemas.microsoft.com/office/drawing/2010/main" xmlns="" w="9525">
                   <a:solidFill>
                     <a:srgbClr val="000000"/>
                   </a:solidFill>
@@ -2655,7 +3514,7 @@
             </a:ln>
             <a:extLst>
               <a:ext uri="{91240B29-F687-4f45-9708-019B960494DF}">
-                <a14:hiddenLine xmlns="" xmlns:a14="http://schemas.microsoft.com/office/drawing/2010/main" w="9525">
+                <a14:hiddenLine xmlns:a14="http://schemas.microsoft.com/office/drawing/2010/main" xmlns="" w="9525">
                   <a:solidFill>
                     <a:srgbClr val="000000"/>
                   </a:solidFill>
@@ -2723,7 +3582,7 @@
             </a:ln>
             <a:extLst>
               <a:ext uri="{91240B29-F687-4f45-9708-019B960494DF}">
-                <a14:hiddenLine xmlns="" xmlns:a14="http://schemas.microsoft.com/office/drawing/2010/main" w="9525">
+                <a14:hiddenLine xmlns:a14="http://schemas.microsoft.com/office/drawing/2010/main" xmlns="" w="9525">
                   <a:solidFill>
                     <a:srgbClr val="000000"/>
                   </a:solidFill>
@@ -2785,7 +3644,7 @@
             </a:ln>
             <a:extLst>
               <a:ext uri="{91240B29-F687-4f45-9708-019B960494DF}">
-                <a14:hiddenLine xmlns="" xmlns:a14="http://schemas.microsoft.com/office/drawing/2010/main" w="9525">
+                <a14:hiddenLine xmlns:a14="http://schemas.microsoft.com/office/drawing/2010/main" xmlns="" w="9525">
                   <a:solidFill>
                     <a:srgbClr val="000000"/>
                   </a:solidFill>
@@ -2875,7 +3734,7 @@
             </a:ln>
             <a:extLst>
               <a:ext uri="{91240B29-F687-4f45-9708-019B960494DF}">
-                <a14:hiddenLine xmlns="" xmlns:a14="http://schemas.microsoft.com/office/drawing/2010/main" w="9525">
+                <a14:hiddenLine xmlns:a14="http://schemas.microsoft.com/office/drawing/2010/main" xmlns="" w="9525">
                   <a:solidFill>
                     <a:srgbClr val="000000"/>
                   </a:solidFill>
@@ -2937,7 +3796,7 @@
             </a:ln>
             <a:extLst>
               <a:ext uri="{91240B29-F687-4f45-9708-019B960494DF}">
-                <a14:hiddenLine xmlns="" xmlns:a14="http://schemas.microsoft.com/office/drawing/2010/main" w="9525">
+                <a14:hiddenLine xmlns:a14="http://schemas.microsoft.com/office/drawing/2010/main" xmlns="" w="9525">
                   <a:solidFill>
                     <a:srgbClr val="000000"/>
                   </a:solidFill>
@@ -3027,7 +3886,7 @@
             </a:ln>
             <a:extLst>
               <a:ext uri="{91240B29-F687-4f45-9708-019B960494DF}">
-                <a14:hiddenLine xmlns="" xmlns:a14="http://schemas.microsoft.com/office/drawing/2010/main" w="9525">
+                <a14:hiddenLine xmlns:a14="http://schemas.microsoft.com/office/drawing/2010/main" xmlns="" w="9525">
                   <a:solidFill>
                     <a:srgbClr val="000000"/>
                   </a:solidFill>
@@ -3089,7 +3948,7 @@
             </a:ln>
             <a:extLst>
               <a:ext uri="{91240B29-F687-4f45-9708-019B960494DF}">
-                <a14:hiddenLine xmlns="" xmlns:a14="http://schemas.microsoft.com/office/drawing/2010/main" w="9525">
+                <a14:hiddenLine xmlns:a14="http://schemas.microsoft.com/office/drawing/2010/main" xmlns="" w="9525">
                   <a:solidFill>
                     <a:srgbClr val="000000"/>
                   </a:solidFill>
@@ -3179,7 +4038,7 @@
             </a:ln>
             <a:extLst>
               <a:ext uri="{91240B29-F687-4f45-9708-019B960494DF}">
-                <a14:hiddenLine xmlns="" xmlns:a14="http://schemas.microsoft.com/office/drawing/2010/main" w="9525">
+                <a14:hiddenLine xmlns:a14="http://schemas.microsoft.com/office/drawing/2010/main" xmlns="" w="9525">
                   <a:solidFill>
                     <a:srgbClr val="000000"/>
                   </a:solidFill>
@@ -3213,7 +4072,7 @@
             </a:ln>
             <a:extLst>
               <a:ext uri="{91240B29-F687-4f45-9708-019B960494DF}">
-                <a14:hiddenLine xmlns="" xmlns:a14="http://schemas.microsoft.com/office/drawing/2010/main" w="9525">
+                <a14:hiddenLine xmlns:a14="http://schemas.microsoft.com/office/drawing/2010/main" xmlns="" w="9525">
                   <a:solidFill>
                     <a:srgbClr val="000000"/>
                   </a:solidFill>
@@ -3278,7 +4137,7 @@
             </a:ln>
             <a:extLst>
               <a:ext uri="{91240B29-F687-4f45-9708-019B960494DF}">
-                <a14:hiddenLine xmlns="" xmlns:a14="http://schemas.microsoft.com/office/drawing/2010/main" w="9525">
+                <a14:hiddenLine xmlns:a14="http://schemas.microsoft.com/office/drawing/2010/main" xmlns="" w="9525">
                   <a:solidFill>
                     <a:srgbClr val="000000"/>
                   </a:solidFill>
@@ -3368,7 +4227,7 @@
             </a:ln>
             <a:extLst>
               <a:ext uri="{91240B29-F687-4f45-9708-019B960494DF}">
-                <a14:hiddenLine xmlns="" xmlns:a14="http://schemas.microsoft.com/office/drawing/2010/main" w="9525">
+                <a14:hiddenLine xmlns:a14="http://schemas.microsoft.com/office/drawing/2010/main" xmlns="" w="9525">
                   <a:solidFill>
                     <a:srgbClr val="000000"/>
                   </a:solidFill>
@@ -3430,7 +4289,7 @@
             </a:ln>
             <a:extLst>
               <a:ext uri="{91240B29-F687-4f45-9708-019B960494DF}">
-                <a14:hiddenLine xmlns="" xmlns:a14="http://schemas.microsoft.com/office/drawing/2010/main" w="9525">
+                <a14:hiddenLine xmlns:a14="http://schemas.microsoft.com/office/drawing/2010/main" xmlns="" w="9525">
                   <a:solidFill>
                     <a:srgbClr val="000000"/>
                   </a:solidFill>
@@ -3520,7 +4379,7 @@
             </a:ln>
             <a:extLst>
               <a:ext uri="{91240B29-F687-4f45-9708-019B960494DF}">
-                <a14:hiddenLine xmlns="" xmlns:a14="http://schemas.microsoft.com/office/drawing/2010/main" w="9525">
+                <a14:hiddenLine xmlns:a14="http://schemas.microsoft.com/office/drawing/2010/main" xmlns="" w="9525">
                   <a:solidFill>
                     <a:srgbClr val="000000"/>
                   </a:solidFill>
@@ -3610,7 +4469,7 @@
             </a:ln>
             <a:extLst>
               <a:ext uri="{91240B29-F687-4f45-9708-019B960494DF}">
-                <a14:hiddenLine xmlns="" xmlns:a14="http://schemas.microsoft.com/office/drawing/2010/main" w="9525">
+                <a14:hiddenLine xmlns:a14="http://schemas.microsoft.com/office/drawing/2010/main" xmlns="" w="9525">
                   <a:solidFill>
                     <a:srgbClr val="000000"/>
                   </a:solidFill>
@@ -3675,7 +4534,7 @@
             </a:ln>
             <a:extLst>
               <a:ext uri="{91240B29-F687-4f45-9708-019B960494DF}">
-                <a14:hiddenLine xmlns="" xmlns:a14="http://schemas.microsoft.com/office/drawing/2010/main" w="9525">
+                <a14:hiddenLine xmlns:a14="http://schemas.microsoft.com/office/drawing/2010/main" xmlns="" w="9525">
                   <a:solidFill>
                     <a:srgbClr val="000000"/>
                   </a:solidFill>
@@ -3737,7 +4596,7 @@
             </a:ln>
             <a:extLst>
               <a:ext uri="{91240B29-F687-4f45-9708-019B960494DF}">
-                <a14:hiddenLine xmlns="" xmlns:a14="http://schemas.microsoft.com/office/drawing/2010/main" w="9525">
+                <a14:hiddenLine xmlns:a14="http://schemas.microsoft.com/office/drawing/2010/main" xmlns="" w="9525">
                   <a:solidFill>
                     <a:srgbClr val="000000"/>
                   </a:solidFill>
@@ -3827,7 +4686,7 @@
             </a:ln>
             <a:extLst>
               <a:ext uri="{91240B29-F687-4f45-9708-019B960494DF}">
-                <a14:hiddenLine xmlns="" xmlns:a14="http://schemas.microsoft.com/office/drawing/2010/main" w="9525">
+                <a14:hiddenLine xmlns:a14="http://schemas.microsoft.com/office/drawing/2010/main" xmlns="" w="9525">
                   <a:solidFill>
                     <a:srgbClr val="000000"/>
                   </a:solidFill>
@@ -3917,7 +4776,7 @@
             </a:ln>
             <a:extLst>
               <a:ext uri="{91240B29-F687-4f45-9708-019B960494DF}">
-                <a14:hiddenLine xmlns="" xmlns:a14="http://schemas.microsoft.com/office/drawing/2010/main" w="9525">
+                <a14:hiddenLine xmlns:a14="http://schemas.microsoft.com/office/drawing/2010/main" xmlns="" w="9525">
                   <a:solidFill>
                     <a:srgbClr val="000000"/>
                   </a:solidFill>
@@ -3979,7 +4838,7 @@
             </a:ln>
             <a:extLst>
               <a:ext uri="{91240B29-F687-4f45-9708-019B960494DF}">
-                <a14:hiddenLine xmlns="" xmlns:a14="http://schemas.microsoft.com/office/drawing/2010/main" w="9525">
+                <a14:hiddenLine xmlns:a14="http://schemas.microsoft.com/office/drawing/2010/main" xmlns="" w="9525">
                   <a:solidFill>
                     <a:srgbClr val="000000"/>
                   </a:solidFill>
@@ -4099,7 +4958,7 @@
             </a:ln>
             <a:extLst>
               <a:ext uri="{91240B29-F687-4f45-9708-019B960494DF}">
-                <a14:hiddenLine xmlns="" xmlns:a14="http://schemas.microsoft.com/office/drawing/2010/main" w="9525">
+                <a14:hiddenLine xmlns:a14="http://schemas.microsoft.com/office/drawing/2010/main" xmlns="" w="9525">
                   <a:solidFill>
                     <a:srgbClr val="000000"/>
                   </a:solidFill>
@@ -4167,7 +5026,7 @@
             </a:ln>
             <a:extLst>
               <a:ext uri="{91240B29-F687-4f45-9708-019B960494DF}">
-                <a14:hiddenLine xmlns="" xmlns:a14="http://schemas.microsoft.com/office/drawing/2010/main" w="9525">
+                <a14:hiddenLine xmlns:a14="http://schemas.microsoft.com/office/drawing/2010/main" xmlns="" w="9525">
                   <a:solidFill>
                     <a:srgbClr val="000000"/>
                   </a:solidFill>
@@ -4257,7 +5116,7 @@
             </a:ln>
             <a:extLst>
               <a:ext uri="{91240B29-F687-4f45-9708-019B960494DF}">
-                <a14:hiddenLine xmlns="" xmlns:a14="http://schemas.microsoft.com/office/drawing/2010/main" w="9525">
+                <a14:hiddenLine xmlns:a14="http://schemas.microsoft.com/office/drawing/2010/main" xmlns="" w="9525">
                   <a:solidFill>
                     <a:srgbClr val="000000"/>
                   </a:solidFill>
@@ -8986,7 +9845,7 @@
           <a:noFill/>
           <a:extLst>
             <a:ext uri="{909E8E84-426E-40dd-AFC4-6F175D3DCCD1}">
-              <a14:hiddenFill xmlns="" xmlns:a14="http://schemas.microsoft.com/office/drawing/2010/main">
+              <a14:hiddenFill xmlns:a14="http://schemas.microsoft.com/office/drawing/2010/main" xmlns="">
                 <a:solidFill>
                   <a:srgbClr val="FFFFFF"/>
                 </a:solidFill>
@@ -9060,7 +9919,7 @@
               </a:ln>
               <a:extLst>
                 <a:ext uri="{91240B29-F687-4f45-9708-019B960494DF}">
-                  <a14:hiddenLine xmlns="" xmlns:a14="http://schemas.microsoft.com/office/drawing/2010/main" w="9525">
+                  <a14:hiddenLine xmlns:a14="http://schemas.microsoft.com/office/drawing/2010/main" xmlns="" w="9525">
                     <a:solidFill>
                       <a:srgbClr val="000000"/>
                     </a:solidFill>
@@ -9150,7 +10009,7 @@
               </a:ln>
               <a:extLst>
                 <a:ext uri="{91240B29-F687-4f45-9708-019B960494DF}">
-                  <a14:hiddenLine xmlns="" xmlns:a14="http://schemas.microsoft.com/office/drawing/2010/main" w="9525">
+                  <a14:hiddenLine xmlns:a14="http://schemas.microsoft.com/office/drawing/2010/main" xmlns="" w="9525">
                     <a:solidFill>
                       <a:srgbClr val="000000"/>
                     </a:solidFill>
@@ -9240,7 +10099,7 @@
               </a:ln>
               <a:extLst>
                 <a:ext uri="{91240B29-F687-4f45-9708-019B960494DF}">
-                  <a14:hiddenLine xmlns="" xmlns:a14="http://schemas.microsoft.com/office/drawing/2010/main" w="9525">
+                  <a14:hiddenLine xmlns:a14="http://schemas.microsoft.com/office/drawing/2010/main" xmlns="" w="9525">
                     <a:solidFill>
                       <a:srgbClr val="000000"/>
                     </a:solidFill>
@@ -9302,7 +10161,7 @@
               </a:ln>
               <a:extLst>
                 <a:ext uri="{91240B29-F687-4f45-9708-019B960494DF}">
-                  <a14:hiddenLine xmlns="" xmlns:a14="http://schemas.microsoft.com/office/drawing/2010/main" w="9525">
+                  <a14:hiddenLine xmlns:a14="http://schemas.microsoft.com/office/drawing/2010/main" xmlns="" w="9525">
                     <a:solidFill>
                       <a:srgbClr val="000000"/>
                     </a:solidFill>
@@ -9392,7 +10251,7 @@
               </a:ln>
               <a:extLst>
                 <a:ext uri="{91240B29-F687-4f45-9708-019B960494DF}">
-                  <a14:hiddenLine xmlns="" xmlns:a14="http://schemas.microsoft.com/office/drawing/2010/main" w="9525">
+                  <a14:hiddenLine xmlns:a14="http://schemas.microsoft.com/office/drawing/2010/main" xmlns="" w="9525">
                     <a:solidFill>
                       <a:srgbClr val="000000"/>
                     </a:solidFill>
@@ -9454,7 +10313,7 @@
               </a:ln>
               <a:extLst>
                 <a:ext uri="{91240B29-F687-4f45-9708-019B960494DF}">
-                  <a14:hiddenLine xmlns="" xmlns:a14="http://schemas.microsoft.com/office/drawing/2010/main" w="9525">
+                  <a14:hiddenLine xmlns:a14="http://schemas.microsoft.com/office/drawing/2010/main" xmlns="" w="9525">
                     <a:solidFill>
                       <a:srgbClr val="000000"/>
                     </a:solidFill>
@@ -9516,7 +10375,7 @@
               </a:ln>
               <a:extLst>
                 <a:ext uri="{91240B29-F687-4f45-9708-019B960494DF}">
-                  <a14:hiddenLine xmlns="" xmlns:a14="http://schemas.microsoft.com/office/drawing/2010/main" w="9525">
+                  <a14:hiddenLine xmlns:a14="http://schemas.microsoft.com/office/drawing/2010/main" xmlns="" w="9525">
                     <a:solidFill>
                       <a:srgbClr val="000000"/>
                     </a:solidFill>
@@ -9606,7 +10465,7 @@
               </a:ln>
               <a:extLst>
                 <a:ext uri="{91240B29-F687-4f45-9708-019B960494DF}">
-                  <a14:hiddenLine xmlns="" xmlns:a14="http://schemas.microsoft.com/office/drawing/2010/main" w="9525">
+                  <a14:hiddenLine xmlns:a14="http://schemas.microsoft.com/office/drawing/2010/main" xmlns="" w="9525">
                     <a:solidFill>
                       <a:srgbClr val="000000"/>
                     </a:solidFill>
@@ -9696,7 +10555,7 @@
               </a:ln>
               <a:extLst>
                 <a:ext uri="{91240B29-F687-4f45-9708-019B960494DF}">
-                  <a14:hiddenLine xmlns="" xmlns:a14="http://schemas.microsoft.com/office/drawing/2010/main" w="9525">
+                  <a14:hiddenLine xmlns:a14="http://schemas.microsoft.com/office/drawing/2010/main" xmlns="" w="9525">
                     <a:solidFill>
                       <a:srgbClr val="000000"/>
                     </a:solidFill>
@@ -9758,7 +10617,7 @@
               </a:ln>
               <a:extLst>
                 <a:ext uri="{91240B29-F687-4f45-9708-019B960494DF}">
-                  <a14:hiddenLine xmlns="" xmlns:a14="http://schemas.microsoft.com/office/drawing/2010/main" w="9525">
+                  <a14:hiddenLine xmlns:a14="http://schemas.microsoft.com/office/drawing/2010/main" xmlns="" w="9525">
                     <a:solidFill>
                       <a:srgbClr val="000000"/>
                     </a:solidFill>
@@ -9868,7 +10727,7 @@
               </a:ln>
               <a:extLst>
                 <a:ext uri="{91240B29-F687-4f45-9708-019B960494DF}">
-                  <a14:hiddenLine xmlns="" xmlns:a14="http://schemas.microsoft.com/office/drawing/2010/main" w="9525">
+                  <a14:hiddenLine xmlns:a14="http://schemas.microsoft.com/office/drawing/2010/main" xmlns="" w="9525">
                     <a:solidFill>
                       <a:srgbClr val="000000"/>
                     </a:solidFill>
@@ -9952,7 +10811,7 @@
               </a:ln>
               <a:extLst>
                 <a:ext uri="{91240B29-F687-4f45-9708-019B960494DF}">
-                  <a14:hiddenLine xmlns="" xmlns:a14="http://schemas.microsoft.com/office/drawing/2010/main" w="9525">
+                  <a14:hiddenLine xmlns:a14="http://schemas.microsoft.com/office/drawing/2010/main" xmlns="" w="9525">
                     <a:solidFill>
                       <a:srgbClr val="000000"/>
                     </a:solidFill>
@@ -10014,7 +10873,7 @@
               </a:ln>
               <a:extLst>
                 <a:ext uri="{91240B29-F687-4f45-9708-019B960494DF}">
-                  <a14:hiddenLine xmlns="" xmlns:a14="http://schemas.microsoft.com/office/drawing/2010/main" w="9525">
+                  <a14:hiddenLine xmlns:a14="http://schemas.microsoft.com/office/drawing/2010/main" xmlns="" w="9525">
                     <a:solidFill>
                       <a:srgbClr val="000000"/>
                     </a:solidFill>
@@ -10076,7 +10935,7 @@
               </a:ln>
               <a:extLst>
                 <a:ext uri="{91240B29-F687-4f45-9708-019B960494DF}">
-                  <a14:hiddenLine xmlns="" xmlns:a14="http://schemas.microsoft.com/office/drawing/2010/main" w="9525">
+                  <a14:hiddenLine xmlns:a14="http://schemas.microsoft.com/office/drawing/2010/main" xmlns="" w="9525">
                     <a:solidFill>
                       <a:srgbClr val="000000"/>
                     </a:solidFill>
@@ -10166,7 +11025,7 @@
               </a:ln>
               <a:extLst>
                 <a:ext uri="{91240B29-F687-4f45-9708-019B960494DF}">
-                  <a14:hiddenLine xmlns="" xmlns:a14="http://schemas.microsoft.com/office/drawing/2010/main" w="9525">
+                  <a14:hiddenLine xmlns:a14="http://schemas.microsoft.com/office/drawing/2010/main" xmlns="" w="9525">
                     <a:solidFill>
                       <a:srgbClr val="000000"/>
                     </a:solidFill>
@@ -10200,7 +11059,7 @@
               </a:ln>
               <a:extLst>
                 <a:ext uri="{91240B29-F687-4f45-9708-019B960494DF}">
-                  <a14:hiddenLine xmlns="" xmlns:a14="http://schemas.microsoft.com/office/drawing/2010/main" w="9525">
+                  <a14:hiddenLine xmlns:a14="http://schemas.microsoft.com/office/drawing/2010/main" xmlns="" w="9525">
                     <a:solidFill>
                       <a:srgbClr val="000000"/>
                     </a:solidFill>
@@ -10265,7 +11124,7 @@
               </a:ln>
               <a:extLst>
                 <a:ext uri="{91240B29-F687-4f45-9708-019B960494DF}">
-                  <a14:hiddenLine xmlns="" xmlns:a14="http://schemas.microsoft.com/office/drawing/2010/main" w="9525">
+                  <a14:hiddenLine xmlns:a14="http://schemas.microsoft.com/office/drawing/2010/main" xmlns="" w="9525">
                     <a:solidFill>
                       <a:srgbClr val="000000"/>
                     </a:solidFill>
@@ -10355,7 +11214,7 @@
               </a:ln>
               <a:extLst>
                 <a:ext uri="{91240B29-F687-4f45-9708-019B960494DF}">
-                  <a14:hiddenLine xmlns="" xmlns:a14="http://schemas.microsoft.com/office/drawing/2010/main" w="9525">
+                  <a14:hiddenLine xmlns:a14="http://schemas.microsoft.com/office/drawing/2010/main" xmlns="" w="9525">
                     <a:solidFill>
                       <a:srgbClr val="000000"/>
                     </a:solidFill>
@@ -10417,7 +11276,7 @@
               </a:ln>
               <a:extLst>
                 <a:ext uri="{91240B29-F687-4f45-9708-019B960494DF}">
-                  <a14:hiddenLine xmlns="" xmlns:a14="http://schemas.microsoft.com/office/drawing/2010/main" w="9525">
+                  <a14:hiddenLine xmlns:a14="http://schemas.microsoft.com/office/drawing/2010/main" xmlns="" w="9525">
                     <a:solidFill>
                       <a:srgbClr val="000000"/>
                     </a:solidFill>
@@ -10507,7 +11366,7 @@
               </a:ln>
               <a:extLst>
                 <a:ext uri="{91240B29-F687-4f45-9708-019B960494DF}">
-                  <a14:hiddenLine xmlns="" xmlns:a14="http://schemas.microsoft.com/office/drawing/2010/main" w="9525">
+                  <a14:hiddenLine xmlns:a14="http://schemas.microsoft.com/office/drawing/2010/main" xmlns="" w="9525">
                     <a:solidFill>
                       <a:srgbClr val="000000"/>
                     </a:solidFill>
@@ -10572,7 +11431,7 @@
               </a:ln>
               <a:extLst>
                 <a:ext uri="{91240B29-F687-4f45-9708-019B960494DF}">
-                  <a14:hiddenLine xmlns="" xmlns:a14="http://schemas.microsoft.com/office/drawing/2010/main" w="9525">
+                  <a14:hiddenLine xmlns:a14="http://schemas.microsoft.com/office/drawing/2010/main" xmlns="" w="9525">
                     <a:solidFill>
                       <a:srgbClr val="000000"/>
                     </a:solidFill>
@@ -10634,7 +11493,7 @@
               </a:ln>
               <a:extLst>
                 <a:ext uri="{91240B29-F687-4f45-9708-019B960494DF}">
-                  <a14:hiddenLine xmlns="" xmlns:a14="http://schemas.microsoft.com/office/drawing/2010/main" w="9525">
+                  <a14:hiddenLine xmlns:a14="http://schemas.microsoft.com/office/drawing/2010/main" xmlns="" w="9525">
                     <a:solidFill>
                       <a:srgbClr val="000000"/>
                     </a:solidFill>
@@ -10724,7 +11583,7 @@
               </a:ln>
               <a:extLst>
                 <a:ext uri="{91240B29-F687-4f45-9708-019B960494DF}">
-                  <a14:hiddenLine xmlns="" xmlns:a14="http://schemas.microsoft.com/office/drawing/2010/main" w="9525">
+                  <a14:hiddenLine xmlns:a14="http://schemas.microsoft.com/office/drawing/2010/main" xmlns="" w="9525">
                     <a:solidFill>
                       <a:srgbClr val="000000"/>
                     </a:solidFill>
@@ -10814,7 +11673,7 @@
               </a:ln>
               <a:extLst>
                 <a:ext uri="{91240B29-F687-4f45-9708-019B960494DF}">
-                  <a14:hiddenLine xmlns="" xmlns:a14="http://schemas.microsoft.com/office/drawing/2010/main" w="9525">
+                  <a14:hiddenLine xmlns:a14="http://schemas.microsoft.com/office/drawing/2010/main" xmlns="" w="9525">
                     <a:solidFill>
                       <a:srgbClr val="000000"/>
                     </a:solidFill>
@@ -10879,7 +11738,7 @@
               </a:ln>
               <a:extLst>
                 <a:ext uri="{91240B29-F687-4f45-9708-019B960494DF}">
-                  <a14:hiddenLine xmlns="" xmlns:a14="http://schemas.microsoft.com/office/drawing/2010/main" w="9525">
+                  <a14:hiddenLine xmlns:a14="http://schemas.microsoft.com/office/drawing/2010/main" xmlns="" w="9525">
                     <a:solidFill>
                       <a:srgbClr val="000000"/>
                     </a:solidFill>
@@ -10999,7 +11858,7 @@
               </a:ln>
               <a:extLst>
                 <a:ext uri="{91240B29-F687-4f45-9708-019B960494DF}">
-                  <a14:hiddenLine xmlns="" xmlns:a14="http://schemas.microsoft.com/office/drawing/2010/main" w="9525">
+                  <a14:hiddenLine xmlns:a14="http://schemas.microsoft.com/office/drawing/2010/main" xmlns="" w="9525">
                     <a:solidFill>
                       <a:srgbClr val="000000"/>
                     </a:solidFill>
@@ -11080,7 +11939,7 @@
               </a:ln>
               <a:extLst>
                 <a:ext uri="{91240B29-F687-4f45-9708-019B960494DF}">
-                  <a14:hiddenLine xmlns="" xmlns:a14="http://schemas.microsoft.com/office/drawing/2010/main" w="9525">
+                  <a14:hiddenLine xmlns:a14="http://schemas.microsoft.com/office/drawing/2010/main" xmlns="" w="9525">
                     <a:solidFill>
                       <a:srgbClr val="000000"/>
                     </a:solidFill>
@@ -11195,7 +12054,7 @@
               </a:ln>
               <a:extLst>
                 <a:ext uri="{91240B29-F687-4f45-9708-019B960494DF}">
-                  <a14:hiddenLine xmlns="" xmlns:a14="http://schemas.microsoft.com/office/drawing/2010/main" w="9525">
+                  <a14:hiddenLine xmlns:a14="http://schemas.microsoft.com/office/drawing/2010/main" xmlns="" w="9525">
                     <a:solidFill>
                       <a:srgbClr val="000000"/>
                     </a:solidFill>
@@ -11285,7 +12144,7 @@
               </a:ln>
               <a:extLst>
                 <a:ext uri="{91240B29-F687-4f45-9708-019B960494DF}">
-                  <a14:hiddenLine xmlns="" xmlns:a14="http://schemas.microsoft.com/office/drawing/2010/main" w="9525">
+                  <a14:hiddenLine xmlns:a14="http://schemas.microsoft.com/office/drawing/2010/main" xmlns="" w="9525">
                     <a:solidFill>
                       <a:srgbClr val="000000"/>
                     </a:solidFill>
@@ -11350,7 +12209,7 @@
               </a:ln>
               <a:extLst>
                 <a:ext uri="{91240B29-F687-4f45-9708-019B960494DF}">
-                  <a14:hiddenLine xmlns="" xmlns:a14="http://schemas.microsoft.com/office/drawing/2010/main" w="9525">
+                  <a14:hiddenLine xmlns:a14="http://schemas.microsoft.com/office/drawing/2010/main" xmlns="" w="9525">
                     <a:solidFill>
                       <a:srgbClr val="000000"/>
                     </a:solidFill>
@@ -11440,7 +12299,7 @@
               </a:ln>
               <a:extLst>
                 <a:ext uri="{91240B29-F687-4f45-9708-019B960494DF}">
-                  <a14:hiddenLine xmlns="" xmlns:a14="http://schemas.microsoft.com/office/drawing/2010/main" w="9525">
+                  <a14:hiddenLine xmlns:a14="http://schemas.microsoft.com/office/drawing/2010/main" xmlns="" w="9525">
                     <a:solidFill>
                       <a:srgbClr val="000000"/>
                     </a:solidFill>
@@ -11508,7 +12367,7 @@
               </a:ln>
               <a:extLst>
                 <a:ext uri="{91240B29-F687-4f45-9708-019B960494DF}">
-                  <a14:hiddenLine xmlns="" xmlns:a14="http://schemas.microsoft.com/office/drawing/2010/main" w="9525">
+                  <a14:hiddenLine xmlns:a14="http://schemas.microsoft.com/office/drawing/2010/main" xmlns="" w="9525">
                     <a:solidFill>
                       <a:srgbClr val="000000"/>
                     </a:solidFill>
@@ -11598,7 +12457,7 @@
               </a:ln>
               <a:extLst>
                 <a:ext uri="{91240B29-F687-4f45-9708-019B960494DF}">
-                  <a14:hiddenLine xmlns="" xmlns:a14="http://schemas.microsoft.com/office/drawing/2010/main" w="9525">
+                  <a14:hiddenLine xmlns:a14="http://schemas.microsoft.com/office/drawing/2010/main" xmlns="" w="9525">
                     <a:solidFill>
                       <a:srgbClr val="000000"/>
                     </a:solidFill>
@@ -11666,7 +12525,7 @@
               </a:ln>
               <a:extLst>
                 <a:ext uri="{91240B29-F687-4f45-9708-019B960494DF}">
-                  <a14:hiddenLine xmlns="" xmlns:a14="http://schemas.microsoft.com/office/drawing/2010/main" w="9525">
+                  <a14:hiddenLine xmlns:a14="http://schemas.microsoft.com/office/drawing/2010/main" xmlns="" w="9525">
                     <a:solidFill>
                       <a:srgbClr val="000000"/>
                     </a:solidFill>
@@ -11756,7 +12615,7 @@
               </a:ln>
               <a:extLst>
                 <a:ext uri="{91240B29-F687-4f45-9708-019B960494DF}">
-                  <a14:hiddenLine xmlns="" xmlns:a14="http://schemas.microsoft.com/office/drawing/2010/main" w="9525">
+                  <a14:hiddenLine xmlns:a14="http://schemas.microsoft.com/office/drawing/2010/main" xmlns="" w="9525">
                     <a:solidFill>
                       <a:srgbClr val="000000"/>
                     </a:solidFill>
@@ -11790,7 +12649,7 @@
               </a:ln>
               <a:extLst>
                 <a:ext uri="{91240B29-F687-4f45-9708-019B960494DF}">
-                  <a14:hiddenLine xmlns="" xmlns:a14="http://schemas.microsoft.com/office/drawing/2010/main" w="9525">
+                  <a14:hiddenLine xmlns:a14="http://schemas.microsoft.com/office/drawing/2010/main" xmlns="" w="9525">
                     <a:solidFill>
                       <a:srgbClr val="000000"/>
                     </a:solidFill>
@@ -12579,7 +13438,7 @@
           <a:p>
             <a:r>
               <a:rPr lang="fr-FR" dirty="0">
-                <a:hlinkClick r:id="rId2"/>
+                <a:hlinkClick r:id="rId3"/>
               </a:rPr>
               <a:t>https://github.com/n-chardon/enc-a11y-training</a:t>
             </a:r>
@@ -12617,6 +13476,13 @@
   <p:clrMapOvr>
     <a:masterClrMapping/>
   </p:clrMapOvr>
+  <p:timing>
+    <p:tnLst>
+      <p:par>
+        <p:cTn id="1" dur="indefinite" restart="never" nodeType="tmRoot"/>
+      </p:par>
+    </p:tnLst>
+  </p:timing>
 </p:sld>
 </file>
 
@@ -12720,6 +13586,164 @@
     <p:extLst>
       <p:ext uri="{BB962C8B-B14F-4D97-AF65-F5344CB8AC3E}">
         <p14:creationId xmlns:p14="http://schemas.microsoft.com/office/powerpoint/2010/main" val="251608273"/>
+      </p:ext>
+    </p:extLst>
+  </p:cSld>
+  <p:clrMapOvr>
+    <a:masterClrMapping/>
+  </p:clrMapOvr>
+  <p:timing>
+    <p:tnLst>
+      <p:par>
+        <p:cTn id="1" dur="indefinite" restart="never" nodeType="tmRoot"/>
+      </p:par>
+    </p:tnLst>
+  </p:timing>
+</p:sld>
+</file>
+
+<file path=ppt/slides/slide5.xml><?xml version="1.0" encoding="utf-8"?>
+<p:sld xmlns:a="http://schemas.openxmlformats.org/drawingml/2006/main" xmlns:r="http://schemas.openxmlformats.org/officeDocument/2006/relationships" xmlns:p="http://schemas.openxmlformats.org/presentationml/2006/main">
+  <p:cSld>
+    <p:spTree>
+      <p:nvGrpSpPr>
+        <p:cNvPr id="1" name=""/>
+        <p:cNvGrpSpPr/>
+        <p:nvPr/>
+      </p:nvGrpSpPr>
+      <p:grpSpPr>
+        <a:xfrm>
+          <a:off x="0" y="0"/>
+          <a:ext cx="0" cy="0"/>
+          <a:chOff x="0" y="0"/>
+          <a:chExt cx="0" cy="0"/>
+        </a:xfrm>
+      </p:grpSpPr>
+      <p:sp>
+        <p:nvSpPr>
+          <p:cNvPr id="2" name="Titre 1"/>
+          <p:cNvSpPr>
+            <a:spLocks noGrp="1"/>
+          </p:cNvSpPr>
+          <p:nvPr>
+            <p:ph type="title"/>
+          </p:nvPr>
+        </p:nvSpPr>
+        <p:spPr/>
+        <p:txBody>
+          <a:bodyPr/>
+          <a:lstStyle/>
+          <a:p>
+            <a:r>
+              <a:rPr lang="fr-FR" dirty="0" smtClean="0"/>
+              <a:t>Intervention de Yannick Bréavoine </a:t>
+            </a:r>
+            <a:endParaRPr lang="fr-FR" dirty="0"/>
+          </a:p>
+        </p:txBody>
+      </p:sp>
+      <p:sp>
+        <p:nvSpPr>
+          <p:cNvPr id="3" name="Espace réservé du contenu 2"/>
+          <p:cNvSpPr>
+            <a:spLocks noGrp="1"/>
+          </p:cNvSpPr>
+          <p:nvPr>
+            <p:ph idx="1"/>
+          </p:nvPr>
+        </p:nvSpPr>
+        <p:spPr/>
+        <p:txBody>
+          <a:bodyPr/>
+          <a:lstStyle/>
+          <a:p>
+            <a:endParaRPr lang="fr-FR"/>
+          </a:p>
+        </p:txBody>
+      </p:sp>
+    </p:spTree>
+    <p:extLst>
+      <p:ext uri="{BB962C8B-B14F-4D97-AF65-F5344CB8AC3E}">
+        <p14:creationId xmlns:p14="http://schemas.microsoft.com/office/powerpoint/2010/main" val="1005873073"/>
+      </p:ext>
+    </p:extLst>
+  </p:cSld>
+  <p:clrMapOvr>
+    <a:masterClrMapping/>
+  </p:clrMapOvr>
+  <p:timing>
+    <p:tnLst>
+      <p:par>
+        <p:cTn id="1" dur="indefinite" restart="never" nodeType="tmRoot"/>
+      </p:par>
+    </p:tnLst>
+  </p:timing>
+</p:sld>
+</file>
+
+<file path=ppt/slides/slide6.xml><?xml version="1.0" encoding="utf-8"?>
+<p:sld xmlns:a="http://schemas.openxmlformats.org/drawingml/2006/main" xmlns:r="http://schemas.openxmlformats.org/officeDocument/2006/relationships" xmlns:p="http://schemas.openxmlformats.org/presentationml/2006/main">
+  <p:cSld>
+    <p:spTree>
+      <p:nvGrpSpPr>
+        <p:cNvPr id="1" name=""/>
+        <p:cNvGrpSpPr/>
+        <p:nvPr/>
+      </p:nvGrpSpPr>
+      <p:grpSpPr>
+        <a:xfrm>
+          <a:off x="0" y="0"/>
+          <a:ext cx="0" cy="0"/>
+          <a:chOff x="0" y="0"/>
+          <a:chExt cx="0" cy="0"/>
+        </a:xfrm>
+      </p:grpSpPr>
+      <p:sp>
+        <p:nvSpPr>
+          <p:cNvPr id="2" name="Titre 1"/>
+          <p:cNvSpPr>
+            <a:spLocks noGrp="1"/>
+          </p:cNvSpPr>
+          <p:nvPr>
+            <p:ph type="title"/>
+          </p:nvPr>
+        </p:nvSpPr>
+        <p:spPr/>
+        <p:txBody>
+          <a:bodyPr/>
+          <a:lstStyle/>
+          <a:p>
+            <a:r>
+              <a:rPr lang="fr-FR" dirty="0" smtClean="0"/>
+              <a:t>Les lecteurs d’écran </a:t>
+            </a:r>
+            <a:endParaRPr lang="fr-FR" dirty="0"/>
+          </a:p>
+        </p:txBody>
+      </p:sp>
+      <p:sp>
+        <p:nvSpPr>
+          <p:cNvPr id="3" name="Espace réservé du contenu 2"/>
+          <p:cNvSpPr>
+            <a:spLocks noGrp="1"/>
+          </p:cNvSpPr>
+          <p:nvPr>
+            <p:ph idx="1"/>
+          </p:nvPr>
+        </p:nvSpPr>
+        <p:spPr/>
+        <p:txBody>
+          <a:bodyPr/>
+          <a:lstStyle/>
+          <a:p>
+            <a:endParaRPr lang="fr-FR" dirty="0" smtClean="0"/>
+          </a:p>
+        </p:txBody>
+      </p:sp>
+    </p:spTree>
+    <p:extLst>
+      <p:ext uri="{BB962C8B-B14F-4D97-AF65-F5344CB8AC3E}">
+        <p14:creationId xmlns:p14="http://schemas.microsoft.com/office/powerpoint/2010/main" val="3195063757"/>
       </p:ext>
     </p:extLst>
   </p:cSld>
@@ -12987,6 +14011,267 @@
 </a:theme>
 </file>
 
+<file path=ppt/theme/theme2.xml><?xml version="1.0" encoding="utf-8"?>
+<a:theme xmlns:a="http://schemas.openxmlformats.org/drawingml/2006/main" name="Thème Office">
+  <a:themeElements>
+    <a:clrScheme name="Office">
+      <a:dk1>
+        <a:sysClr val="windowText" lastClr="000000"/>
+      </a:dk1>
+      <a:lt1>
+        <a:sysClr val="window" lastClr="FFFFFF"/>
+      </a:lt1>
+      <a:dk2>
+        <a:srgbClr val="44546A"/>
+      </a:dk2>
+      <a:lt2>
+        <a:srgbClr val="E7E6E6"/>
+      </a:lt2>
+      <a:accent1>
+        <a:srgbClr val="5B9BD5"/>
+      </a:accent1>
+      <a:accent2>
+        <a:srgbClr val="ED7D31"/>
+      </a:accent2>
+      <a:accent3>
+        <a:srgbClr val="A5A5A5"/>
+      </a:accent3>
+      <a:accent4>
+        <a:srgbClr val="FFC000"/>
+      </a:accent4>
+      <a:accent5>
+        <a:srgbClr val="4472C4"/>
+      </a:accent5>
+      <a:accent6>
+        <a:srgbClr val="70AD47"/>
+      </a:accent6>
+      <a:hlink>
+        <a:srgbClr val="0563C1"/>
+      </a:hlink>
+      <a:folHlink>
+        <a:srgbClr val="954F72"/>
+      </a:folHlink>
+    </a:clrScheme>
+    <a:fontScheme name="Office">
+      <a:majorFont>
+        <a:latin typeface="Calibri Light" panose="020F0302020204030204"/>
+        <a:ea typeface=""/>
+        <a:cs typeface=""/>
+        <a:font script="Jpan" typeface="游ゴシック Light"/>
+        <a:font script="Hang" typeface="맑은 고딕"/>
+        <a:font script="Hans" typeface="等线 Light"/>
+        <a:font script="Hant" typeface="新細明體"/>
+        <a:font script="Arab" typeface="Times New Roman"/>
+        <a:font script="Hebr" typeface="Times New Roman"/>
+        <a:font script="Thai" typeface="Angsana New"/>
+        <a:font script="Ethi" typeface="Nyala"/>
+        <a:font script="Beng" typeface="Vrinda"/>
+        <a:font script="Gujr" typeface="Shruti"/>
+        <a:font script="Khmr" typeface="MoolBoran"/>
+        <a:font script="Knda" typeface="Tunga"/>
+        <a:font script="Guru" typeface="Raavi"/>
+        <a:font script="Cans" typeface="Euphemia"/>
+        <a:font script="Cher" typeface="Plantagenet Cherokee"/>
+        <a:font script="Yiii" typeface="Microsoft Yi Baiti"/>
+        <a:font script="Tibt" typeface="Microsoft Himalaya"/>
+        <a:font script="Thaa" typeface="MV Boli"/>
+        <a:font script="Deva" typeface="Mangal"/>
+        <a:font script="Telu" typeface="Gautami"/>
+        <a:font script="Taml" typeface="Latha"/>
+        <a:font script="Syrc" typeface="Estrangelo Edessa"/>
+        <a:font script="Orya" typeface="Kalinga"/>
+        <a:font script="Mlym" typeface="Kartika"/>
+        <a:font script="Laoo" typeface="DokChampa"/>
+        <a:font script="Sinh" typeface="Iskoola Pota"/>
+        <a:font script="Mong" typeface="Mongolian Baiti"/>
+        <a:font script="Viet" typeface="Times New Roman"/>
+        <a:font script="Uigh" typeface="Microsoft Uighur"/>
+        <a:font script="Geor" typeface="Sylfaen"/>
+      </a:majorFont>
+      <a:minorFont>
+        <a:latin typeface="Calibri" panose="020F0502020204030204"/>
+        <a:ea typeface=""/>
+        <a:cs typeface=""/>
+        <a:font script="Jpan" typeface="游ゴシック"/>
+        <a:font script="Hang" typeface="맑은 고딕"/>
+        <a:font script="Hans" typeface="等线"/>
+        <a:font script="Hant" typeface="新細明體"/>
+        <a:font script="Arab" typeface="Arial"/>
+        <a:font script="Hebr" typeface="Arial"/>
+        <a:font script="Thai" typeface="Cordia New"/>
+        <a:font script="Ethi" typeface="Nyala"/>
+        <a:font script="Beng" typeface="Vrinda"/>
+        <a:font script="Gujr" typeface="Shruti"/>
+        <a:font script="Khmr" typeface="DaunPenh"/>
+        <a:font script="Knda" typeface="Tunga"/>
+        <a:font script="Guru" typeface="Raavi"/>
+        <a:font script="Cans" typeface="Euphemia"/>
+        <a:font script="Cher" typeface="Plantagenet Cherokee"/>
+        <a:font script="Yiii" typeface="Microsoft Yi Baiti"/>
+        <a:font script="Tibt" typeface="Microsoft Himalaya"/>
+        <a:font script="Thaa" typeface="MV Boli"/>
+        <a:font script="Deva" typeface="Mangal"/>
+        <a:font script="Telu" typeface="Gautami"/>
+        <a:font script="Taml" typeface="Latha"/>
+        <a:font script="Syrc" typeface="Estrangelo Edessa"/>
+        <a:font script="Orya" typeface="Kalinga"/>
+        <a:font script="Mlym" typeface="Kartika"/>
+        <a:font script="Laoo" typeface="DokChampa"/>
+        <a:font script="Sinh" typeface="Iskoola Pota"/>
+        <a:font script="Mong" typeface="Mongolian Baiti"/>
+        <a:font script="Viet" typeface="Arial"/>
+        <a:font script="Uigh" typeface="Microsoft Uighur"/>
+        <a:font script="Geor" typeface="Sylfaen"/>
+      </a:minorFont>
+    </a:fontScheme>
+    <a:fmtScheme name="Office">
+      <a:fillStyleLst>
+        <a:solidFill>
+          <a:schemeClr val="phClr"/>
+        </a:solidFill>
+        <a:gradFill rotWithShape="1">
+          <a:gsLst>
+            <a:gs pos="0">
+              <a:schemeClr val="phClr">
+                <a:lumMod val="110000"/>
+                <a:satMod val="105000"/>
+                <a:tint val="67000"/>
+              </a:schemeClr>
+            </a:gs>
+            <a:gs pos="50000">
+              <a:schemeClr val="phClr">
+                <a:lumMod val="105000"/>
+                <a:satMod val="103000"/>
+                <a:tint val="73000"/>
+              </a:schemeClr>
+            </a:gs>
+            <a:gs pos="100000">
+              <a:schemeClr val="phClr">
+                <a:lumMod val="105000"/>
+                <a:satMod val="109000"/>
+                <a:tint val="81000"/>
+              </a:schemeClr>
+            </a:gs>
+          </a:gsLst>
+          <a:lin ang="5400000" scaled="0"/>
+        </a:gradFill>
+        <a:gradFill rotWithShape="1">
+          <a:gsLst>
+            <a:gs pos="0">
+              <a:schemeClr val="phClr">
+                <a:satMod val="103000"/>
+                <a:lumMod val="102000"/>
+                <a:tint val="94000"/>
+              </a:schemeClr>
+            </a:gs>
+            <a:gs pos="50000">
+              <a:schemeClr val="phClr">
+                <a:satMod val="110000"/>
+                <a:lumMod val="100000"/>
+                <a:shade val="100000"/>
+              </a:schemeClr>
+            </a:gs>
+            <a:gs pos="100000">
+              <a:schemeClr val="phClr">
+                <a:lumMod val="99000"/>
+                <a:satMod val="120000"/>
+                <a:shade val="78000"/>
+              </a:schemeClr>
+            </a:gs>
+          </a:gsLst>
+          <a:lin ang="5400000" scaled="0"/>
+        </a:gradFill>
+      </a:fillStyleLst>
+      <a:lnStyleLst>
+        <a:ln w="6350" cap="flat" cmpd="sng" algn="ctr">
+          <a:solidFill>
+            <a:schemeClr val="phClr"/>
+          </a:solidFill>
+          <a:prstDash val="solid"/>
+          <a:miter lim="800000"/>
+        </a:ln>
+        <a:ln w="12700" cap="flat" cmpd="sng" algn="ctr">
+          <a:solidFill>
+            <a:schemeClr val="phClr"/>
+          </a:solidFill>
+          <a:prstDash val="solid"/>
+          <a:miter lim="800000"/>
+        </a:ln>
+        <a:ln w="19050" cap="flat" cmpd="sng" algn="ctr">
+          <a:solidFill>
+            <a:schemeClr val="phClr"/>
+          </a:solidFill>
+          <a:prstDash val="solid"/>
+          <a:miter lim="800000"/>
+        </a:ln>
+      </a:lnStyleLst>
+      <a:effectStyleLst>
+        <a:effectStyle>
+          <a:effectLst/>
+        </a:effectStyle>
+        <a:effectStyle>
+          <a:effectLst/>
+        </a:effectStyle>
+        <a:effectStyle>
+          <a:effectLst>
+            <a:outerShdw blurRad="57150" dist="19050" dir="5400000" algn="ctr" rotWithShape="0">
+              <a:srgbClr val="000000">
+                <a:alpha val="63000"/>
+              </a:srgbClr>
+            </a:outerShdw>
+          </a:effectLst>
+        </a:effectStyle>
+      </a:effectStyleLst>
+      <a:bgFillStyleLst>
+        <a:solidFill>
+          <a:schemeClr val="phClr"/>
+        </a:solidFill>
+        <a:solidFill>
+          <a:schemeClr val="phClr">
+            <a:tint val="95000"/>
+            <a:satMod val="170000"/>
+          </a:schemeClr>
+        </a:solidFill>
+        <a:gradFill rotWithShape="1">
+          <a:gsLst>
+            <a:gs pos="0">
+              <a:schemeClr val="phClr">
+                <a:tint val="93000"/>
+                <a:satMod val="150000"/>
+                <a:shade val="98000"/>
+                <a:lumMod val="102000"/>
+              </a:schemeClr>
+            </a:gs>
+            <a:gs pos="50000">
+              <a:schemeClr val="phClr">
+                <a:tint val="98000"/>
+                <a:satMod val="130000"/>
+                <a:shade val="90000"/>
+                <a:lumMod val="103000"/>
+              </a:schemeClr>
+            </a:gs>
+            <a:gs pos="100000">
+              <a:schemeClr val="phClr">
+                <a:shade val="63000"/>
+                <a:satMod val="120000"/>
+              </a:schemeClr>
+            </a:gs>
+          </a:gsLst>
+          <a:lin ang="5400000" scaled="0"/>
+        </a:gradFill>
+      </a:bgFillStyleLst>
+    </a:fmtScheme>
+  </a:themeElements>
+  <a:objectDefaults/>
+  <a:extraClrSchemeLst/>
+  <a:extLst>
+    <a:ext uri="{05A4C25C-085E-4340-85A3-A5531E510DB2}">
+      <thm15:themeFamily xmlns:thm15="http://schemas.microsoft.com/office/thememl/2012/main" name="Office Theme" id="{62F939B6-93AF-4DB8-9C6B-D6C7DFDC589F}" vid="{4A3C46E8-61CC-4603-A589-7422A47A8E4A}"/>
+    </a:ext>
+  </a:extLst>
+</a:theme>
+</file>
+
 <file path=customXml/item1.xml>��< ? x m l   v e r s i o n = " 1 . 0 "   e n c o d i n g = " u t f - 1 6 " ? > < D o c u m e n t S e t t i n g s   x m l n s : x s d = " h t t p : / / w w w . w 3 . o r g / 2 0 0 1 / X M L S c h e m a "   x m l n s : x s i = " h t t p : / / w w w . w 3 . o r g / 2 0 0 1 / X M L S c h e m a - i n s t a n c e "   x m l n s = " h t t p : / / w w w . z h a w . c h / A c c e s s i b i l i t y A d d I n " >   
      < C h e c k R e a d i n g O r d e r > t r u e < / C h e c k R e a d i n g O r d e r > @@ -13011,7 +14296,7 @@
 </file>
 
 <file path=customXml/itemProps1.xml><?xml version="1.0" encoding="utf-8"?>
-<ds:datastoreItem xmlns:ds="http://schemas.openxmlformats.org/officeDocument/2006/customXml" ds:itemID="{568EFAAB-81B0-4586-A364-209B61E49DB2}">
+<ds:datastoreItem xmlns:ds="http://schemas.openxmlformats.org/officeDocument/2006/customXml" ds:itemID="{8EC5FF5F-45B5-47BC-97D7-813778ED1AC7}">
   <ds:schemaRefs>
     <ds:schemaRef ds:uri="http://www.w3.org/2001/XMLSchema"/>
     <ds:schemaRef ds:uri="http://www.zhaw.ch/AccessibilityAddIn"/>
